--- a/exposiciones/GonzálezAndrés/Extended.pptx
+++ b/exposiciones/GonzálezAndrés/Extended.pptx
@@ -12,6 +12,13 @@
     <p:sldId id="258" r:id="rId6"/>
     <p:sldId id="260" r:id="rId7"/>
     <p:sldId id="262" r:id="rId8"/>
+    <p:sldId id="263" r:id="rId9"/>
+    <p:sldId id="264" r:id="rId10"/>
+    <p:sldId id="265" r:id="rId11"/>
+    <p:sldId id="267" r:id="rId12"/>
+    <p:sldId id="268" r:id="rId13"/>
+    <p:sldId id="269" r:id="rId14"/>
+    <p:sldId id="270" r:id="rId15"/>
   </p:sldIdLst>
   <p:sldSz cx="12192000" cy="6858000"/>
   <p:notesSz cx="6858000" cy="9144000"/>
@@ -3547,6 +3554,874 @@
 </p:sld>
 </file>
 
+<file path=ppt/slides/slide10.xml><?xml version="1.0" encoding="utf-8"?>
+<p:sld xmlns:a="http://schemas.openxmlformats.org/drawingml/2006/main" xmlns:r="http://schemas.openxmlformats.org/officeDocument/2006/relationships" xmlns:p="http://schemas.openxmlformats.org/presentationml/2006/main">
+  <p:cSld>
+    <p:spTree>
+      <p:nvGrpSpPr>
+        <p:cNvPr id="1" name=""/>
+        <p:cNvGrpSpPr/>
+        <p:nvPr/>
+      </p:nvGrpSpPr>
+      <p:grpSpPr>
+        <a:xfrm>
+          <a:off x="0" y="0"/>
+          <a:ext cx="0" cy="0"/>
+          <a:chOff x="0" y="0"/>
+          <a:chExt cx="0" cy="0"/>
+        </a:xfrm>
+      </p:grpSpPr>
+      <p:sp>
+        <p:nvSpPr>
+          <p:cNvPr id="2" name="Título 1"/>
+          <p:cNvSpPr>
+            <a:spLocks noGrp="1"/>
+          </p:cNvSpPr>
+          <p:nvPr>
+            <p:ph type="title"/>
+          </p:nvPr>
+        </p:nvSpPr>
+        <p:spPr/>
+        <p:txBody>
+          <a:bodyPr/>
+          <a:lstStyle/>
+          <a:p>
+            <a:r>
+              <a:rPr lang="es-MX" dirty="0" err="1"/>
+              <a:t>Bitmap</a:t>
+            </a:r>
+            <a:r>
+              <a:rPr lang="es-MX" dirty="0"/>
+              <a:t> de bloque y </a:t>
+            </a:r>
+            <a:r>
+              <a:rPr lang="es-MX" dirty="0" err="1"/>
+              <a:t>Bitmap</a:t>
+            </a:r>
+            <a:r>
+              <a:rPr lang="es-MX" dirty="0"/>
+              <a:t> de </a:t>
+            </a:r>
+            <a:r>
+              <a:rPr lang="es-MX" dirty="0" err="1"/>
+              <a:t>inodos</a:t>
+            </a:r>
+            <a:endParaRPr lang="es-MX" dirty="0"/>
+          </a:p>
+        </p:txBody>
+      </p:sp>
+      <p:sp>
+        <p:nvSpPr>
+          <p:cNvPr id="3" name="Marcador de contenido 2"/>
+          <p:cNvSpPr>
+            <a:spLocks noGrp="1"/>
+          </p:cNvSpPr>
+          <p:nvPr>
+            <p:ph idx="1"/>
+          </p:nvPr>
+        </p:nvSpPr>
+        <p:spPr>
+          <a:xfrm>
+            <a:off x="1024128" y="2286000"/>
+            <a:ext cx="9720071" cy="4242122"/>
+          </a:xfrm>
+        </p:spPr>
+        <p:txBody>
+          <a:bodyPr>
+            <a:normAutofit/>
+          </a:bodyPr>
+          <a:lstStyle/>
+          <a:p>
+            <a:pPr marL="0" indent="0">
+              <a:buNone/>
+            </a:pPr>
+            <a:r>
+              <a:rPr lang="es-ES" sz="3200" dirty="0" err="1" smtClean="0">
+                <a:latin typeface="+mj-lt"/>
+              </a:rPr>
+              <a:t>Bitmap</a:t>
+            </a:r>
+            <a:r>
+              <a:rPr lang="es-ES" sz="3200" dirty="0" smtClean="0">
+                <a:latin typeface="+mj-lt"/>
+              </a:rPr>
+              <a:t> de bloque</a:t>
+            </a:r>
+          </a:p>
+          <a:p>
+            <a:r>
+              <a:rPr lang="es-ES" sz="2400" dirty="0" smtClean="0"/>
+              <a:t>Es</a:t>
+            </a:r>
+            <a:r>
+              <a:rPr lang="es-ES" sz="2400" dirty="0"/>
+              <a:t> una estructura que representa el estado actual de un Bloque dentro de un Grupo de Bloques. Cada bit representa dicho estado, un 1 significa “en uso” y un 0 significa “libre/disponible</a:t>
+            </a:r>
+            <a:r>
+              <a:rPr lang="es-ES" sz="2400" dirty="0" smtClean="0"/>
+              <a:t>”.</a:t>
+            </a:r>
+          </a:p>
+          <a:p>
+            <a:pPr marL="0" lvl="0" indent="0">
+              <a:buClr>
+                <a:srgbClr val="9CBEBD"/>
+              </a:buClr>
+              <a:buNone/>
+            </a:pPr>
+            <a:r>
+              <a:rPr lang="es-ES" sz="3200" dirty="0" err="1">
+                <a:solidFill>
+                  <a:srgbClr val="2E2B21"/>
+                </a:solidFill>
+                <a:latin typeface="Tw Cen MT Condensed" panose="020B0606020104020203"/>
+              </a:rPr>
+              <a:t>Bitmap</a:t>
+            </a:r>
+            <a:r>
+              <a:rPr lang="es-ES" sz="3200" dirty="0">
+                <a:solidFill>
+                  <a:srgbClr val="2E2B21"/>
+                </a:solidFill>
+                <a:latin typeface="Tw Cen MT Condensed" panose="020B0606020104020203"/>
+              </a:rPr>
+              <a:t> </a:t>
+            </a:r>
+            <a:r>
+              <a:rPr lang="es-ES" sz="3200" dirty="0" smtClean="0">
+                <a:solidFill>
+                  <a:srgbClr val="2E2B21"/>
+                </a:solidFill>
+                <a:latin typeface="Tw Cen MT Condensed" panose="020B0606020104020203"/>
+              </a:rPr>
+              <a:t>de </a:t>
+            </a:r>
+            <a:r>
+              <a:rPr lang="es-ES" sz="3200" dirty="0" err="1" smtClean="0">
+                <a:solidFill>
+                  <a:srgbClr val="2E2B21"/>
+                </a:solidFill>
+                <a:latin typeface="Tw Cen MT Condensed" panose="020B0606020104020203"/>
+              </a:rPr>
+              <a:t>inodos</a:t>
+            </a:r>
+            <a:endParaRPr lang="es-ES" sz="3200" dirty="0">
+              <a:solidFill>
+                <a:srgbClr val="2E2B21"/>
+              </a:solidFill>
+              <a:latin typeface="Tw Cen MT Condensed" panose="020B0606020104020203"/>
+            </a:endParaRPr>
+          </a:p>
+          <a:p>
+            <a:pPr lvl="0">
+              <a:buClr>
+                <a:srgbClr val="9CBEBD"/>
+              </a:buClr>
+            </a:pPr>
+            <a:r>
+              <a:rPr lang="es-ES" sz="2400" dirty="0">
+                <a:solidFill>
+                  <a:srgbClr val="2E2B21"/>
+                </a:solidFill>
+              </a:rPr>
+              <a:t>El </a:t>
+            </a:r>
+            <a:r>
+              <a:rPr lang="es-ES" sz="2400" dirty="0" err="1">
+                <a:solidFill>
+                  <a:srgbClr val="2E2B21"/>
+                </a:solidFill>
+              </a:rPr>
+              <a:t>Bitmap</a:t>
+            </a:r>
+            <a:r>
+              <a:rPr lang="es-ES" sz="2400" dirty="0">
+                <a:solidFill>
+                  <a:srgbClr val="2E2B21"/>
+                </a:solidFill>
+              </a:rPr>
+              <a:t> de </a:t>
+            </a:r>
+            <a:r>
+              <a:rPr lang="es-ES" sz="2400" dirty="0" err="1">
+                <a:solidFill>
+                  <a:srgbClr val="2E2B21"/>
+                </a:solidFill>
+              </a:rPr>
+              <a:t>inodos</a:t>
+            </a:r>
+            <a:r>
+              <a:rPr lang="es-ES" sz="2400" dirty="0">
+                <a:solidFill>
+                  <a:srgbClr val="2E2B21"/>
+                </a:solidFill>
+              </a:rPr>
+              <a:t> funciona de manera similar al </a:t>
+            </a:r>
+            <a:r>
+              <a:rPr lang="es-ES" sz="2400" dirty="0" err="1">
+                <a:solidFill>
+                  <a:srgbClr val="2E2B21"/>
+                </a:solidFill>
+              </a:rPr>
+              <a:t>Bitmap</a:t>
+            </a:r>
+            <a:r>
+              <a:rPr lang="es-ES" sz="2400" dirty="0">
+                <a:solidFill>
+                  <a:srgbClr val="2E2B21"/>
+                </a:solidFill>
+              </a:rPr>
+              <a:t> de Bloque, con la diferencia de que cada bit representa un </a:t>
+            </a:r>
+            <a:r>
+              <a:rPr lang="es-ES" sz="2400" dirty="0" err="1">
+                <a:solidFill>
+                  <a:srgbClr val="2E2B21"/>
+                </a:solidFill>
+              </a:rPr>
+              <a:t>inodo</a:t>
+            </a:r>
+            <a:r>
+              <a:rPr lang="es-ES" sz="2400" dirty="0">
+                <a:solidFill>
+                  <a:srgbClr val="2E2B21"/>
+                </a:solidFill>
+              </a:rPr>
+              <a:t> en la Tabla de </a:t>
+            </a:r>
+            <a:r>
+              <a:rPr lang="es-ES" sz="2400" dirty="0" err="1">
+                <a:solidFill>
+                  <a:srgbClr val="2E2B21"/>
+                </a:solidFill>
+              </a:rPr>
+              <a:t>Inodos</a:t>
+            </a:r>
+            <a:r>
+              <a:rPr lang="es-ES" sz="2400" dirty="0">
+                <a:solidFill>
+                  <a:srgbClr val="2E2B21"/>
+                </a:solidFill>
+              </a:rPr>
+              <a:t> en lugar de un bloque. </a:t>
+            </a:r>
+            <a:endParaRPr lang="es-ES" sz="2400" dirty="0"/>
+          </a:p>
+        </p:txBody>
+      </p:sp>
+    </p:spTree>
+    <p:extLst>
+      <p:ext uri="{BB962C8B-B14F-4D97-AF65-F5344CB8AC3E}">
+        <p14:creationId xmlns:p14="http://schemas.microsoft.com/office/powerpoint/2010/main" val="2566720533"/>
+      </p:ext>
+    </p:extLst>
+  </p:cSld>
+  <p:clrMapOvr>
+    <a:masterClrMapping/>
+  </p:clrMapOvr>
+</p:sld>
+</file>
+
+<file path=ppt/slides/slide11.xml><?xml version="1.0" encoding="utf-8"?>
+<p:sld xmlns:a="http://schemas.openxmlformats.org/drawingml/2006/main" xmlns:r="http://schemas.openxmlformats.org/officeDocument/2006/relationships" xmlns:p="http://schemas.openxmlformats.org/presentationml/2006/main">
+  <p:cSld>
+    <p:spTree>
+      <p:nvGrpSpPr>
+        <p:cNvPr id="1" name=""/>
+        <p:cNvGrpSpPr/>
+        <p:nvPr/>
+      </p:nvGrpSpPr>
+      <p:grpSpPr>
+        <a:xfrm>
+          <a:off x="0" y="0"/>
+          <a:ext cx="0" cy="0"/>
+          <a:chOff x="0" y="0"/>
+          <a:chExt cx="0" cy="0"/>
+        </a:xfrm>
+      </p:grpSpPr>
+      <p:sp>
+        <p:nvSpPr>
+          <p:cNvPr id="2" name="Título 1"/>
+          <p:cNvSpPr>
+            <a:spLocks noGrp="1"/>
+          </p:cNvSpPr>
+          <p:nvPr>
+            <p:ph type="title"/>
+          </p:nvPr>
+        </p:nvSpPr>
+        <p:spPr/>
+        <p:txBody>
+          <a:bodyPr/>
+          <a:lstStyle/>
+          <a:p>
+            <a:r>
+              <a:rPr lang="es-MX" dirty="0" smtClean="0"/>
+              <a:t>INODOS y su tabla</a:t>
+            </a:r>
+            <a:endParaRPr lang="es-MX" dirty="0"/>
+          </a:p>
+        </p:txBody>
+      </p:sp>
+      <p:sp>
+        <p:nvSpPr>
+          <p:cNvPr id="3" name="Marcador de contenido 2"/>
+          <p:cNvSpPr>
+            <a:spLocks noGrp="1"/>
+          </p:cNvSpPr>
+          <p:nvPr>
+            <p:ph idx="1"/>
+          </p:nvPr>
+        </p:nvSpPr>
+        <p:spPr/>
+        <p:txBody>
+          <a:bodyPr/>
+          <a:lstStyle/>
+          <a:p>
+            <a:r>
+              <a:rPr lang="es-MX" sz="2400" dirty="0"/>
+              <a:t>La tabla de </a:t>
+            </a:r>
+            <a:r>
+              <a:rPr lang="es-MX" sz="2400" dirty="0" err="1"/>
+              <a:t>inodos</a:t>
+            </a:r>
+            <a:r>
+              <a:rPr lang="es-MX" sz="2400" dirty="0"/>
+              <a:t> es usada para mantener registro de cada directorio, archivo regular, enlace simbólico o archivo especial</a:t>
+            </a:r>
+            <a:r>
+              <a:rPr lang="es-MX" sz="2400" dirty="0" smtClean="0"/>
+              <a:t>.</a:t>
+            </a:r>
+            <a:endParaRPr lang="es-ES" sz="2400" dirty="0" smtClean="0"/>
+          </a:p>
+          <a:p>
+            <a:r>
+              <a:rPr lang="es-ES" dirty="0" smtClean="0"/>
+              <a:t>Los </a:t>
+            </a:r>
+            <a:r>
+              <a:rPr lang="es-ES" dirty="0" err="1"/>
+              <a:t>inodos</a:t>
+            </a:r>
+            <a:r>
+              <a:rPr lang="es-ES" dirty="0"/>
+              <a:t> son el bloque de construcción básico; cada archivo y directorio en el sistema de archivos es descrito por un y sólo un </a:t>
+            </a:r>
+            <a:r>
+              <a:rPr lang="es-ES" dirty="0" err="1"/>
+              <a:t>inodo</a:t>
+            </a:r>
+            <a:r>
+              <a:rPr lang="es-ES" dirty="0"/>
+              <a:t>. </a:t>
+            </a:r>
+            <a:endParaRPr lang="es-ES" dirty="0" smtClean="0"/>
+          </a:p>
+          <a:p>
+            <a:r>
+              <a:rPr lang="es-ES" dirty="0" smtClean="0"/>
+              <a:t>El </a:t>
+            </a:r>
+            <a:r>
+              <a:rPr lang="es-ES" dirty="0" err="1"/>
+              <a:t>inodo</a:t>
+            </a:r>
+            <a:r>
+              <a:rPr lang="es-ES" dirty="0"/>
+              <a:t> incluye información acerca del tamaño, permiso, dueño y localización en disco de un archivo o directorio. </a:t>
+            </a:r>
+            <a:endParaRPr lang="es-ES" dirty="0" smtClean="0"/>
+          </a:p>
+          <a:p>
+            <a:r>
+              <a:rPr lang="es-ES" dirty="0" smtClean="0"/>
+              <a:t>Los </a:t>
+            </a:r>
+            <a:r>
+              <a:rPr lang="es-ES" dirty="0" err="1"/>
+              <a:t>inodos</a:t>
+            </a:r>
+            <a:r>
+              <a:rPr lang="es-ES" dirty="0"/>
+              <a:t> no guardan la información del nombre del archivo, esta información se guarda en los directorios.</a:t>
+            </a:r>
+            <a:endParaRPr lang="es-MX" dirty="0"/>
+          </a:p>
+        </p:txBody>
+      </p:sp>
+    </p:spTree>
+    <p:extLst>
+      <p:ext uri="{BB962C8B-B14F-4D97-AF65-F5344CB8AC3E}">
+        <p14:creationId xmlns:p14="http://schemas.microsoft.com/office/powerpoint/2010/main" val="2834085921"/>
+      </p:ext>
+    </p:extLst>
+  </p:cSld>
+  <p:clrMapOvr>
+    <a:masterClrMapping/>
+  </p:clrMapOvr>
+</p:sld>
+</file>
+
+<file path=ppt/slides/slide12.xml><?xml version="1.0" encoding="utf-8"?>
+<p:sld xmlns:a="http://schemas.openxmlformats.org/drawingml/2006/main" xmlns:r="http://schemas.openxmlformats.org/officeDocument/2006/relationships" xmlns:p="http://schemas.openxmlformats.org/presentationml/2006/main">
+  <p:cSld>
+    <p:spTree>
+      <p:nvGrpSpPr>
+        <p:cNvPr id="1" name=""/>
+        <p:cNvGrpSpPr/>
+        <p:nvPr/>
+      </p:nvGrpSpPr>
+      <p:grpSpPr>
+        <a:xfrm>
+          <a:off x="0" y="0"/>
+          <a:ext cx="0" cy="0"/>
+          <a:chOff x="0" y="0"/>
+          <a:chExt cx="0" cy="0"/>
+        </a:xfrm>
+      </p:grpSpPr>
+      <p:sp>
+        <p:nvSpPr>
+          <p:cNvPr id="4" name="Título 3"/>
+          <p:cNvSpPr>
+            <a:spLocks noGrp="1"/>
+          </p:cNvSpPr>
+          <p:nvPr>
+            <p:ph type="title"/>
+          </p:nvPr>
+        </p:nvSpPr>
+        <p:spPr>
+          <a:xfrm>
+            <a:off x="1024128" y="585216"/>
+            <a:ext cx="4531720" cy="1499616"/>
+          </a:xfrm>
+        </p:spPr>
+        <p:txBody>
+          <a:bodyPr/>
+          <a:lstStyle/>
+          <a:p>
+            <a:r>
+              <a:rPr lang="es-MX" dirty="0" err="1" smtClean="0"/>
+              <a:t>Inodos</a:t>
+            </a:r>
+            <a:endParaRPr lang="es-MX" dirty="0"/>
+          </a:p>
+        </p:txBody>
+      </p:sp>
+      <p:sp>
+        <p:nvSpPr>
+          <p:cNvPr id="3" name="Marcador de contenido 2"/>
+          <p:cNvSpPr>
+            <a:spLocks noGrp="1"/>
+          </p:cNvSpPr>
+          <p:nvPr>
+            <p:ph sz="half" idx="1"/>
+          </p:nvPr>
+        </p:nvSpPr>
+        <p:spPr>
+          <a:xfrm>
+            <a:off x="1024128" y="2286000"/>
+            <a:ext cx="4754880" cy="3860157"/>
+          </a:xfrm>
+        </p:spPr>
+        <p:txBody>
+          <a:bodyPr/>
+          <a:lstStyle/>
+          <a:p>
+            <a:r>
+              <a:rPr lang="es-ES" sz="2400" dirty="0" smtClean="0"/>
+              <a:t>Contienen, </a:t>
+            </a:r>
+            <a:r>
+              <a:rPr lang="es-ES" sz="2400" dirty="0"/>
+              <a:t>entre otra información, lo siguiente:</a:t>
+            </a:r>
+          </a:p>
+          <a:p>
+            <a:pPr lvl="1"/>
+            <a:r>
+              <a:rPr lang="es-ES" sz="2000" dirty="0"/>
+              <a:t>Modo. Describe el archivo y sus derechos de acceso.</a:t>
+            </a:r>
+          </a:p>
+          <a:p>
+            <a:pPr lvl="1"/>
+            <a:r>
+              <a:rPr lang="es-ES" sz="2000" dirty="0"/>
+              <a:t>Tamaño en bytes del archivo.</a:t>
+            </a:r>
+          </a:p>
+          <a:p>
+            <a:pPr lvl="1"/>
+            <a:r>
+              <a:rPr lang="es-ES" sz="2000" dirty="0"/>
+              <a:t>Marcas de tiempo.</a:t>
+            </a:r>
+          </a:p>
+          <a:p>
+            <a:pPr lvl="1"/>
+            <a:r>
+              <a:rPr lang="es-ES" sz="2000" dirty="0"/>
+              <a:t>Número de bloques que ocupa.</a:t>
+            </a:r>
+          </a:p>
+          <a:p>
+            <a:endParaRPr lang="es-MX" dirty="0"/>
+          </a:p>
+        </p:txBody>
+      </p:sp>
+      <p:pic>
+        <p:nvPicPr>
+          <p:cNvPr id="6" name="Marcador de contenido 5"/>
+          <p:cNvPicPr>
+            <a:picLocks noGrp="1" noChangeAspect="1"/>
+          </p:cNvPicPr>
+          <p:nvPr>
+            <p:ph sz="half" idx="2"/>
+          </p:nvPr>
+        </p:nvPicPr>
+        <p:blipFill>
+          <a:blip r:embed="rId2">
+            <a:extLst>
+              <a:ext uri="{28A0092B-C50C-407E-A947-70E740481C1C}">
+                <a14:useLocalDpi xmlns:a14="http://schemas.microsoft.com/office/drawing/2010/main" val="0"/>
+              </a:ext>
+            </a:extLst>
+          </a:blip>
+          <a:stretch>
+            <a:fillRect/>
+          </a:stretch>
+        </p:blipFill>
+        <p:spPr>
+          <a:xfrm>
+            <a:off x="6056801" y="849797"/>
+            <a:ext cx="4965191" cy="5129330"/>
+          </a:xfrm>
+        </p:spPr>
+      </p:pic>
+      <p:sp>
+        <p:nvSpPr>
+          <p:cNvPr id="7" name="CuadroTexto 6"/>
+          <p:cNvSpPr txBox="1"/>
+          <p:nvPr/>
+        </p:nvSpPr>
+        <p:spPr>
+          <a:xfrm>
+            <a:off x="6670679" y="6088282"/>
+            <a:ext cx="3737433" cy="369332"/>
+          </a:xfrm>
+          <a:prstGeom prst="rect">
+            <a:avLst/>
+          </a:prstGeom>
+          <a:noFill/>
+        </p:spPr>
+        <p:txBody>
+          <a:bodyPr wrap="none" rtlCol="0">
+            <a:spAutoFit/>
+          </a:bodyPr>
+          <a:lstStyle/>
+          <a:p>
+            <a:r>
+              <a:rPr lang="es-ES" dirty="0"/>
+              <a:t>Fig. 3 - Estructura de un </a:t>
+            </a:r>
+            <a:r>
+              <a:rPr lang="es-ES" dirty="0" err="1"/>
+              <a:t>inodo</a:t>
+            </a:r>
+            <a:r>
+              <a:rPr lang="es-ES" dirty="0"/>
+              <a:t> en ext2.</a:t>
+            </a:r>
+            <a:endParaRPr lang="es-MX" dirty="0"/>
+          </a:p>
+        </p:txBody>
+      </p:sp>
+    </p:spTree>
+    <p:extLst>
+      <p:ext uri="{BB962C8B-B14F-4D97-AF65-F5344CB8AC3E}">
+        <p14:creationId xmlns:p14="http://schemas.microsoft.com/office/powerpoint/2010/main" val="2097077290"/>
+      </p:ext>
+    </p:extLst>
+  </p:cSld>
+  <p:clrMapOvr>
+    <a:masterClrMapping/>
+  </p:clrMapOvr>
+</p:sld>
+</file>
+
+<file path=ppt/slides/slide13.xml><?xml version="1.0" encoding="utf-8"?>
+<p:sld xmlns:a="http://schemas.openxmlformats.org/drawingml/2006/main" xmlns:r="http://schemas.openxmlformats.org/officeDocument/2006/relationships" xmlns:p="http://schemas.openxmlformats.org/presentationml/2006/main">
+  <p:cSld>
+    <p:spTree>
+      <p:nvGrpSpPr>
+        <p:cNvPr id="1" name=""/>
+        <p:cNvGrpSpPr/>
+        <p:nvPr/>
+      </p:nvGrpSpPr>
+      <p:grpSpPr>
+        <a:xfrm>
+          <a:off x="0" y="0"/>
+          <a:ext cx="0" cy="0"/>
+          <a:chOff x="0" y="0"/>
+          <a:chExt cx="0" cy="0"/>
+        </a:xfrm>
+      </p:grpSpPr>
+      <p:sp>
+        <p:nvSpPr>
+          <p:cNvPr id="2" name="Título 1"/>
+          <p:cNvSpPr>
+            <a:spLocks noGrp="1"/>
+          </p:cNvSpPr>
+          <p:nvPr>
+            <p:ph type="title"/>
+          </p:nvPr>
+        </p:nvSpPr>
+        <p:spPr/>
+        <p:txBody>
+          <a:bodyPr/>
+          <a:lstStyle/>
+          <a:p>
+            <a:r>
+              <a:rPr lang="es-MX" dirty="0"/>
+              <a:t>Directorios</a:t>
+            </a:r>
+          </a:p>
+        </p:txBody>
+      </p:sp>
+      <p:sp>
+        <p:nvSpPr>
+          <p:cNvPr id="3" name="Marcador de contenido 2"/>
+          <p:cNvSpPr>
+            <a:spLocks noGrp="1"/>
+          </p:cNvSpPr>
+          <p:nvPr>
+            <p:ph sz="half" idx="1"/>
+          </p:nvPr>
+        </p:nvSpPr>
+        <p:spPr/>
+        <p:txBody>
+          <a:bodyPr>
+            <a:normAutofit/>
+          </a:bodyPr>
+          <a:lstStyle/>
+          <a:p>
+            <a:r>
+              <a:rPr lang="es-ES" sz="2400" dirty="0" smtClean="0"/>
+              <a:t>Son archivos </a:t>
+            </a:r>
+            <a:r>
+              <a:rPr lang="es-ES" sz="2400" dirty="0"/>
+              <a:t>especiales que son usados para crear y guardar rutas de acceso a los archivos en el sistema de archivos. </a:t>
+            </a:r>
+            <a:endParaRPr lang="es-ES" sz="2400" dirty="0" smtClean="0"/>
+          </a:p>
+          <a:p>
+            <a:r>
+              <a:rPr lang="es-ES" sz="2400" dirty="0" smtClean="0"/>
+              <a:t>Se </a:t>
+            </a:r>
+            <a:r>
+              <a:rPr lang="es-ES" sz="2400" dirty="0"/>
+              <a:t>utilizan para ordenar jerárquicamente archivos. </a:t>
+            </a:r>
+            <a:endParaRPr lang="es-ES" sz="2400" dirty="0" smtClean="0"/>
+          </a:p>
+          <a:p>
+            <a:r>
+              <a:rPr lang="es-ES" sz="2400" dirty="0" smtClean="0"/>
+              <a:t>Cada </a:t>
+            </a:r>
+            <a:r>
+              <a:rPr lang="es-ES" sz="2400" dirty="0"/>
+              <a:t>directorio puede contener otros directorios, archivos regulares y archivos especiales.</a:t>
+            </a:r>
+            <a:endParaRPr lang="es-MX" sz="2400" dirty="0"/>
+          </a:p>
+        </p:txBody>
+      </p:sp>
+      <p:sp>
+        <p:nvSpPr>
+          <p:cNvPr id="4" name="Marcador de contenido 3"/>
+          <p:cNvSpPr>
+            <a:spLocks noGrp="1"/>
+          </p:cNvSpPr>
+          <p:nvPr>
+            <p:ph sz="half" idx="2"/>
+          </p:nvPr>
+        </p:nvSpPr>
+        <p:spPr/>
+        <p:txBody>
+          <a:bodyPr/>
+          <a:lstStyle/>
+          <a:p>
+            <a:r>
+              <a:rPr lang="es-ES" sz="2400" dirty="0"/>
+              <a:t>Cada directorio contiene la siguiente información</a:t>
+            </a:r>
+            <a:r>
+              <a:rPr lang="es-ES" sz="2400" dirty="0" smtClean="0"/>
+              <a:t>:</a:t>
+            </a:r>
+            <a:endParaRPr lang="es-ES" sz="2400" dirty="0"/>
+          </a:p>
+          <a:p>
+            <a:pPr lvl="1"/>
+            <a:r>
+              <a:rPr lang="es-ES" sz="2000" dirty="0" smtClean="0"/>
+              <a:t>El </a:t>
+            </a:r>
+            <a:r>
+              <a:rPr lang="es-ES" sz="2000" dirty="0" err="1"/>
+              <a:t>inodo</a:t>
+            </a:r>
+            <a:r>
+              <a:rPr lang="es-ES" sz="2000" dirty="0"/>
+              <a:t> de esta entrada de directorio.</a:t>
+            </a:r>
+          </a:p>
+          <a:p>
+            <a:pPr lvl="1"/>
+            <a:r>
+              <a:rPr lang="es-ES" sz="2000" dirty="0" smtClean="0"/>
+              <a:t>La </a:t>
+            </a:r>
+            <a:r>
+              <a:rPr lang="es-ES" sz="2000" dirty="0"/>
+              <a:t>longitud de esta entrada del directorio en bytes</a:t>
+            </a:r>
+          </a:p>
+          <a:p>
+            <a:pPr lvl="1"/>
+            <a:r>
+              <a:rPr lang="es-ES" sz="2000" dirty="0" smtClean="0"/>
+              <a:t>El </a:t>
+            </a:r>
+            <a:r>
+              <a:rPr lang="es-ES" sz="2000" dirty="0"/>
+              <a:t>nombre de esta entrada del directorio</a:t>
+            </a:r>
+            <a:r>
+              <a:rPr lang="es-ES" sz="2000" dirty="0" smtClean="0"/>
+              <a:t>.</a:t>
+            </a:r>
+          </a:p>
+          <a:p>
+            <a:r>
+              <a:rPr lang="es-ES" sz="2400" dirty="0"/>
+              <a:t>Las primeras dos entradas para cada directorio siempre son el estándar “.” y “..” (“este directorio” y el “directorio padre”, respectivamente).</a:t>
+            </a:r>
+            <a:endParaRPr lang="es-MX" sz="2400" dirty="0"/>
+          </a:p>
+        </p:txBody>
+      </p:sp>
+    </p:spTree>
+    <p:extLst>
+      <p:ext uri="{BB962C8B-B14F-4D97-AF65-F5344CB8AC3E}">
+        <p14:creationId xmlns:p14="http://schemas.microsoft.com/office/powerpoint/2010/main" val="3822719844"/>
+      </p:ext>
+    </p:extLst>
+  </p:cSld>
+  <p:clrMapOvr>
+    <a:masterClrMapping/>
+  </p:clrMapOvr>
+</p:sld>
+</file>
+
+<file path=ppt/slides/slide14.xml><?xml version="1.0" encoding="utf-8"?>
+<p:sld xmlns:a="http://schemas.openxmlformats.org/drawingml/2006/main" xmlns:r="http://schemas.openxmlformats.org/officeDocument/2006/relationships" xmlns:p="http://schemas.openxmlformats.org/presentationml/2006/main">
+  <p:cSld>
+    <p:spTree>
+      <p:nvGrpSpPr>
+        <p:cNvPr id="1" name=""/>
+        <p:cNvGrpSpPr/>
+        <p:nvPr/>
+      </p:nvGrpSpPr>
+      <p:grpSpPr>
+        <a:xfrm>
+          <a:off x="0" y="0"/>
+          <a:ext cx="0" cy="0"/>
+          <a:chOff x="0" y="0"/>
+          <a:chExt cx="0" cy="0"/>
+        </a:xfrm>
+      </p:grpSpPr>
+      <p:pic>
+        <p:nvPicPr>
+          <p:cNvPr id="5" name="Imagen 4"/>
+          <p:cNvPicPr>
+            <a:picLocks noChangeAspect="1"/>
+          </p:cNvPicPr>
+          <p:nvPr/>
+        </p:nvPicPr>
+        <p:blipFill>
+          <a:blip r:embed="rId2">
+            <a:extLst>
+              <a:ext uri="{28A0092B-C50C-407E-A947-70E740481C1C}">
+                <a14:useLocalDpi xmlns:a14="http://schemas.microsoft.com/office/drawing/2010/main" val="0"/>
+              </a:ext>
+            </a:extLst>
+          </a:blip>
+          <a:stretch>
+            <a:fillRect/>
+          </a:stretch>
+        </p:blipFill>
+        <p:spPr>
+          <a:xfrm>
+            <a:off x="2882096" y="728447"/>
+            <a:ext cx="5671658" cy="4697870"/>
+          </a:xfrm>
+          <a:prstGeom prst="rect">
+            <a:avLst/>
+          </a:prstGeom>
+        </p:spPr>
+      </p:pic>
+      <p:sp>
+        <p:nvSpPr>
+          <p:cNvPr id="6" name="CuadroTexto 5"/>
+          <p:cNvSpPr txBox="1"/>
+          <p:nvPr/>
+        </p:nvSpPr>
+        <p:spPr>
+          <a:xfrm>
+            <a:off x="3784922" y="5960962"/>
+            <a:ext cx="3780522" cy="369332"/>
+          </a:xfrm>
+          <a:prstGeom prst="rect">
+            <a:avLst/>
+          </a:prstGeom>
+          <a:noFill/>
+        </p:spPr>
+        <p:txBody>
+          <a:bodyPr wrap="none" rtlCol="0">
+            <a:spAutoFit/>
+          </a:bodyPr>
+          <a:lstStyle/>
+          <a:p>
+            <a:r>
+              <a:rPr lang="es-ES" dirty="0" err="1"/>
+              <a:t>Fig</a:t>
+            </a:r>
+            <a:r>
+              <a:rPr lang="es-ES" dirty="0"/>
+              <a:t> 4. - Estructura de un directorio ext2</a:t>
+            </a:r>
+          </a:p>
+        </p:txBody>
+      </p:sp>
+    </p:spTree>
+    <p:extLst>
+      <p:ext uri="{BB962C8B-B14F-4D97-AF65-F5344CB8AC3E}">
+        <p14:creationId xmlns:p14="http://schemas.microsoft.com/office/powerpoint/2010/main" val="2671451133"/>
+      </p:ext>
+    </p:extLst>
+  </p:cSld>
+  <p:clrMapOvr>
+    <a:masterClrMapping/>
+  </p:clrMapOvr>
+</p:sld>
+</file>
+
 <file path=ppt/slides/slide2.xml><?xml version="1.0" encoding="utf-8"?>
 <p:sld xmlns:a="http://schemas.openxmlformats.org/drawingml/2006/main" xmlns:r="http://schemas.openxmlformats.org/officeDocument/2006/relationships" xmlns:p="http://schemas.openxmlformats.org/presentationml/2006/main">
   <p:cSld>
@@ -3964,7 +4839,7 @@
           <a:p>
             <a:r>
               <a:rPr lang="es-MX" dirty="0" smtClean="0"/>
-              <a:t>Ext2. Breve Historia</a:t>
+              <a:t>Breve Historia</a:t>
             </a:r>
             <a:endParaRPr lang="es-MX" dirty="0"/>
           </a:p>
@@ -4123,7 +4998,7 @@
           <a:p>
             <a:r>
               <a:rPr lang="es-MX" dirty="0" smtClean="0"/>
-              <a:t>Ext2. Estructura en disco 	</a:t>
+              <a:t>Estructura en disco 	</a:t>
             </a:r>
             <a:endParaRPr lang="es-MX" dirty="0"/>
           </a:p>
@@ -4412,6 +5287,431 @@
     <p:extLst>
       <p:ext uri="{BB962C8B-B14F-4D97-AF65-F5344CB8AC3E}">
         <p14:creationId xmlns:p14="http://schemas.microsoft.com/office/powerpoint/2010/main" val="3619968118"/>
+      </p:ext>
+    </p:extLst>
+  </p:cSld>
+  <p:clrMapOvr>
+    <a:masterClrMapping/>
+  </p:clrMapOvr>
+</p:sld>
+</file>
+
+<file path=ppt/slides/slide8.xml><?xml version="1.0" encoding="utf-8"?>
+<p:sld xmlns:a="http://schemas.openxmlformats.org/drawingml/2006/main" xmlns:r="http://schemas.openxmlformats.org/officeDocument/2006/relationships" xmlns:p="http://schemas.openxmlformats.org/presentationml/2006/main">
+  <p:cSld>
+    <p:spTree>
+      <p:nvGrpSpPr>
+        <p:cNvPr id="1" name=""/>
+        <p:cNvGrpSpPr/>
+        <p:nvPr/>
+      </p:nvGrpSpPr>
+      <p:grpSpPr>
+        <a:xfrm>
+          <a:off x="0" y="0"/>
+          <a:ext cx="0" cy="0"/>
+          <a:chOff x="0" y="0"/>
+          <a:chExt cx="0" cy="0"/>
+        </a:xfrm>
+      </p:grpSpPr>
+      <p:sp>
+        <p:nvSpPr>
+          <p:cNvPr id="2" name="Título 1"/>
+          <p:cNvSpPr>
+            <a:spLocks noGrp="1"/>
+          </p:cNvSpPr>
+          <p:nvPr>
+            <p:ph type="title"/>
+          </p:nvPr>
+        </p:nvSpPr>
+        <p:spPr/>
+        <p:txBody>
+          <a:bodyPr/>
+          <a:lstStyle/>
+          <a:p>
+            <a:r>
+              <a:rPr lang="es-MX" dirty="0" smtClean="0"/>
+              <a:t>El </a:t>
+            </a:r>
+            <a:r>
+              <a:rPr lang="es-MX" dirty="0" err="1" smtClean="0"/>
+              <a:t>Superbloque</a:t>
+            </a:r>
+            <a:endParaRPr lang="es-MX" dirty="0"/>
+          </a:p>
+        </p:txBody>
+      </p:sp>
+      <p:sp>
+        <p:nvSpPr>
+          <p:cNvPr id="3" name="Marcador de contenido 2"/>
+          <p:cNvSpPr>
+            <a:spLocks noGrp="1"/>
+          </p:cNvSpPr>
+          <p:nvPr>
+            <p:ph idx="1"/>
+          </p:nvPr>
+        </p:nvSpPr>
+        <p:spPr>
+          <a:xfrm>
+            <a:off x="1024128" y="2251275"/>
+            <a:ext cx="9720071" cy="2262851"/>
+          </a:xfrm>
+        </p:spPr>
+        <p:txBody>
+          <a:bodyPr>
+            <a:noAutofit/>
+          </a:bodyPr>
+          <a:lstStyle/>
+          <a:p>
+            <a:r>
+              <a:rPr lang="es-ES" sz="2400" dirty="0" smtClean="0"/>
+              <a:t>Contiene</a:t>
+            </a:r>
+            <a:r>
+              <a:rPr lang="es-ES" sz="2400" dirty="0"/>
+              <a:t> una descripción del tamaño básico y la forma de este sistema de </a:t>
+            </a:r>
+            <a:r>
+              <a:rPr lang="es-ES" sz="2400" dirty="0" smtClean="0"/>
+              <a:t/>
+            </a:r>
+            <a:br>
+              <a:rPr lang="es-ES" sz="2400" dirty="0" smtClean="0"/>
+            </a:br>
+            <a:r>
+              <a:rPr lang="es-ES" sz="2400" dirty="0" smtClean="0"/>
+              <a:t>archivos.</a:t>
+            </a:r>
+          </a:p>
+          <a:p>
+            <a:r>
+              <a:rPr lang="es-ES" sz="2400" dirty="0"/>
+              <a:t>Normalmente este archivo se lee del Grupo de Bloques 0 cuando el sistema </a:t>
+            </a:r>
+            <a:r>
+              <a:rPr lang="es-ES" sz="2400" dirty="0" smtClean="0"/>
+              <a:t>es</a:t>
+            </a:r>
+            <a:br>
+              <a:rPr lang="es-ES" sz="2400" dirty="0" smtClean="0"/>
+            </a:br>
+            <a:r>
+              <a:rPr lang="es-ES" sz="2400" dirty="0" smtClean="0"/>
+              <a:t>montado</a:t>
+            </a:r>
+            <a:r>
+              <a:rPr lang="es-ES" sz="2400" dirty="0"/>
+              <a:t>. </a:t>
+            </a:r>
+            <a:endParaRPr lang="es-ES" sz="2400" dirty="0" smtClean="0"/>
+          </a:p>
+          <a:p>
+            <a:r>
+              <a:rPr lang="es-ES" sz="2400" dirty="0" smtClean="0"/>
+              <a:t>Cada</a:t>
+            </a:r>
+            <a:r>
+              <a:rPr lang="es-ES" sz="2400" dirty="0"/>
+              <a:t> Bloque de Grupo contiene una copia duplicada en caso de corrupción</a:t>
+            </a:r>
+            <a:r>
+              <a:rPr lang="es-ES" sz="2400" dirty="0" smtClean="0"/>
+              <a:t>.</a:t>
+            </a:r>
+          </a:p>
+          <a:p>
+            <a:r>
+              <a:rPr lang="es-ES" sz="2400" dirty="0"/>
+              <a:t>Contiene, entre otra información, lo siguiente</a:t>
+            </a:r>
+            <a:r>
+              <a:rPr lang="es-ES" sz="2400" dirty="0" smtClean="0"/>
+              <a:t>:</a:t>
+            </a:r>
+            <a:endParaRPr lang="es-ES" sz="2400" dirty="0"/>
+          </a:p>
+        </p:txBody>
+      </p:sp>
+      <p:sp>
+        <p:nvSpPr>
+          <p:cNvPr id="4" name="CuadroTexto 3"/>
+          <p:cNvSpPr txBox="1"/>
+          <p:nvPr/>
+        </p:nvSpPr>
+        <p:spPr>
+          <a:xfrm>
+            <a:off x="1591288" y="4977114"/>
+            <a:ext cx="9152911" cy="1323439"/>
+          </a:xfrm>
+          <a:prstGeom prst="rect">
+            <a:avLst/>
+          </a:prstGeom>
+          <a:noFill/>
+        </p:spPr>
+        <p:txBody>
+          <a:bodyPr wrap="square" numCol="2" rtlCol="0">
+            <a:spAutoFit/>
+          </a:bodyPr>
+          <a:lstStyle/>
+          <a:p>
+            <a:pPr marL="285750" indent="-285750">
+              <a:buFont typeface="Arial" panose="020B0604020202020204" pitchFamily="34" charset="0"/>
+              <a:buChar char="•"/>
+            </a:pPr>
+            <a:r>
+              <a:rPr lang="es-MX" sz="2000" dirty="0"/>
+              <a:t>Número Mágico</a:t>
+            </a:r>
+          </a:p>
+          <a:p>
+            <a:pPr marL="285750" indent="-285750">
+              <a:buFont typeface="Arial" panose="020B0604020202020204" pitchFamily="34" charset="0"/>
+              <a:buChar char="•"/>
+            </a:pPr>
+            <a:r>
+              <a:rPr lang="es-MX" sz="2000" dirty="0"/>
+              <a:t>Numero de Bloques de Grupo</a:t>
+            </a:r>
+          </a:p>
+          <a:p>
+            <a:pPr marL="285750" indent="-285750">
+              <a:buFont typeface="Arial" panose="020B0604020202020204" pitchFamily="34" charset="0"/>
+              <a:buChar char="•"/>
+            </a:pPr>
+            <a:r>
+              <a:rPr lang="es-MX" sz="2000" dirty="0"/>
+              <a:t>Tamaño de bloque</a:t>
+            </a:r>
+          </a:p>
+          <a:p>
+            <a:pPr marL="285750" indent="-285750">
+              <a:buFont typeface="Arial" panose="020B0604020202020204" pitchFamily="34" charset="0"/>
+              <a:buChar char="•"/>
+            </a:pPr>
+            <a:r>
+              <a:rPr lang="es-MX" sz="2000" dirty="0" smtClean="0"/>
+              <a:t>Bloques</a:t>
+            </a:r>
+            <a:r>
+              <a:rPr lang="es-MX" sz="2000" dirty="0"/>
+              <a:t> por Grupo</a:t>
+            </a:r>
+          </a:p>
+          <a:p>
+            <a:pPr marL="285750" indent="-285750">
+              <a:buFont typeface="Arial" panose="020B0604020202020204" pitchFamily="34" charset="0"/>
+              <a:buChar char="•"/>
+            </a:pPr>
+            <a:r>
+              <a:rPr lang="es-MX" sz="2000" dirty="0" smtClean="0"/>
+              <a:t>Bloques</a:t>
+            </a:r>
+            <a:r>
+              <a:rPr lang="es-MX" sz="2000" dirty="0"/>
+              <a:t> libres</a:t>
+            </a:r>
+          </a:p>
+          <a:p>
+            <a:pPr marL="285750" indent="-285750">
+              <a:buFont typeface="Arial" panose="020B0604020202020204" pitchFamily="34" charset="0"/>
+              <a:buChar char="•"/>
+            </a:pPr>
+            <a:r>
+              <a:rPr lang="es-MX" sz="2000" dirty="0" err="1" smtClean="0"/>
+              <a:t>Inodos</a:t>
+            </a:r>
+            <a:r>
+              <a:rPr lang="es-MX" sz="2000" dirty="0"/>
+              <a:t> libres</a:t>
+            </a:r>
+          </a:p>
+          <a:p>
+            <a:pPr marL="285750" indent="-285750">
+              <a:buFont typeface="Arial" panose="020B0604020202020204" pitchFamily="34" charset="0"/>
+              <a:buChar char="•"/>
+            </a:pPr>
+            <a:r>
+              <a:rPr lang="es-MX" sz="2000" dirty="0" smtClean="0"/>
+              <a:t>Primer</a:t>
+            </a:r>
+            <a:r>
+              <a:rPr lang="es-MX" sz="2000" dirty="0"/>
+              <a:t> </a:t>
+            </a:r>
+            <a:r>
+              <a:rPr lang="es-MX" sz="2000" dirty="0" err="1"/>
+              <a:t>inodo</a:t>
+            </a:r>
+            <a:endParaRPr lang="es-ES" sz="2000" dirty="0"/>
+          </a:p>
+        </p:txBody>
+      </p:sp>
+    </p:spTree>
+    <p:extLst>
+      <p:ext uri="{BB962C8B-B14F-4D97-AF65-F5344CB8AC3E}">
+        <p14:creationId xmlns:p14="http://schemas.microsoft.com/office/powerpoint/2010/main" val="3291409399"/>
+      </p:ext>
+    </p:extLst>
+  </p:cSld>
+  <p:clrMapOvr>
+    <a:masterClrMapping/>
+  </p:clrMapOvr>
+</p:sld>
+</file>
+
+<file path=ppt/slides/slide9.xml><?xml version="1.0" encoding="utf-8"?>
+<p:sld xmlns:a="http://schemas.openxmlformats.org/drawingml/2006/main" xmlns:r="http://schemas.openxmlformats.org/officeDocument/2006/relationships" xmlns:p="http://schemas.openxmlformats.org/presentationml/2006/main">
+  <p:cSld>
+    <p:spTree>
+      <p:nvGrpSpPr>
+        <p:cNvPr id="1" name=""/>
+        <p:cNvGrpSpPr/>
+        <p:nvPr/>
+      </p:nvGrpSpPr>
+      <p:grpSpPr>
+        <a:xfrm>
+          <a:off x="0" y="0"/>
+          <a:ext cx="0" cy="0"/>
+          <a:chOff x="0" y="0"/>
+          <a:chExt cx="0" cy="0"/>
+        </a:xfrm>
+      </p:grpSpPr>
+      <p:sp>
+        <p:nvSpPr>
+          <p:cNvPr id="2" name="Título 1"/>
+          <p:cNvSpPr>
+            <a:spLocks noGrp="1"/>
+          </p:cNvSpPr>
+          <p:nvPr>
+            <p:ph type="title"/>
+          </p:nvPr>
+        </p:nvSpPr>
+        <p:spPr/>
+        <p:txBody>
+          <a:bodyPr/>
+          <a:lstStyle/>
+          <a:p>
+            <a:r>
+              <a:rPr lang="es-MX" dirty="0"/>
+              <a:t>Descriptor de Grupo</a:t>
+            </a:r>
+          </a:p>
+        </p:txBody>
+      </p:sp>
+      <p:sp>
+        <p:nvSpPr>
+          <p:cNvPr id="3" name="Marcador de contenido 2"/>
+          <p:cNvSpPr>
+            <a:spLocks noGrp="1"/>
+          </p:cNvSpPr>
+          <p:nvPr>
+            <p:ph idx="1"/>
+          </p:nvPr>
+        </p:nvSpPr>
+        <p:spPr/>
+        <p:txBody>
+          <a:bodyPr/>
+          <a:lstStyle/>
+          <a:p>
+            <a:r>
+              <a:rPr lang="es-ES" sz="2800" dirty="0"/>
+              <a:t>Cada Grupo contiene una estructura de datos que lo describe. </a:t>
+            </a:r>
+            <a:endParaRPr lang="es-ES" sz="2800" dirty="0" smtClean="0"/>
+          </a:p>
+          <a:p>
+            <a:r>
+              <a:rPr lang="es-ES" sz="2800" dirty="0" smtClean="0"/>
+              <a:t>Cada</a:t>
+            </a:r>
+            <a:r>
+              <a:rPr lang="es-ES" sz="2800" dirty="0"/>
+              <a:t> Descriptor de Grupo contiene, entre otra información, lo </a:t>
+            </a:r>
+            <a:r>
+              <a:rPr lang="es-ES" sz="2800" dirty="0" smtClean="0"/>
+              <a:t/>
+            </a:r>
+            <a:br>
+              <a:rPr lang="es-ES" sz="2800" dirty="0" smtClean="0"/>
+            </a:br>
+            <a:r>
+              <a:rPr lang="es-ES" sz="2800" dirty="0" smtClean="0"/>
+              <a:t>siguiente:</a:t>
+            </a:r>
+            <a:endParaRPr lang="es-ES" sz="2800" dirty="0"/>
+          </a:p>
+          <a:p>
+            <a:pPr lvl="1"/>
+            <a:r>
+              <a:rPr lang="es-ES" sz="2000" dirty="0" smtClean="0"/>
+              <a:t>Dirección</a:t>
+            </a:r>
+            <a:r>
+              <a:rPr lang="es-ES" sz="2000" dirty="0"/>
+              <a:t> de inicio del </a:t>
+            </a:r>
+            <a:r>
+              <a:rPr lang="es-ES" sz="2000" dirty="0" err="1"/>
+              <a:t>Bitmap</a:t>
+            </a:r>
+            <a:r>
+              <a:rPr lang="es-ES" sz="2000" dirty="0"/>
+              <a:t> del </a:t>
+            </a:r>
+            <a:r>
+              <a:rPr lang="es-ES" sz="2000" dirty="0" smtClean="0"/>
+              <a:t>Bloque</a:t>
+            </a:r>
+          </a:p>
+          <a:p>
+            <a:pPr lvl="1"/>
+            <a:r>
+              <a:rPr lang="es-ES" sz="2000" dirty="0" smtClean="0"/>
+              <a:t>Dirección</a:t>
+            </a:r>
+            <a:r>
+              <a:rPr lang="es-ES" sz="2000" dirty="0"/>
+              <a:t> de inicio del </a:t>
+            </a:r>
+            <a:r>
+              <a:rPr lang="es-ES" sz="2000" dirty="0" err="1"/>
+              <a:t>Bitmap</a:t>
+            </a:r>
+            <a:r>
+              <a:rPr lang="es-ES" sz="2000" dirty="0"/>
+              <a:t> de </a:t>
+            </a:r>
+            <a:r>
+              <a:rPr lang="es-ES" sz="2000" dirty="0" err="1" smtClean="0"/>
+              <a:t>Inodo</a:t>
+            </a:r>
+            <a:endParaRPr lang="es-ES" sz="2000" dirty="0" smtClean="0"/>
+          </a:p>
+          <a:p>
+            <a:pPr lvl="1"/>
+            <a:r>
+              <a:rPr lang="es-ES" sz="2000" dirty="0" smtClean="0"/>
+              <a:t>Dirección</a:t>
+            </a:r>
+            <a:r>
+              <a:rPr lang="es-ES" sz="2000" dirty="0"/>
+              <a:t> de inicio de Tabla de </a:t>
+            </a:r>
+            <a:r>
+              <a:rPr lang="es-ES" sz="2000" dirty="0" err="1"/>
+              <a:t>Inodos</a:t>
+            </a:r>
+            <a:endParaRPr lang="es-ES" sz="2000" dirty="0"/>
+          </a:p>
+          <a:p>
+            <a:endParaRPr lang="es-ES" dirty="0"/>
+          </a:p>
+        </p:txBody>
+      </p:sp>
+    </p:spTree>
+    <p:extLst>
+      <p:ext uri="{BB962C8B-B14F-4D97-AF65-F5344CB8AC3E}">
+        <p14:creationId xmlns:p14="http://schemas.microsoft.com/office/powerpoint/2010/main" val="3482943977"/>
       </p:ext>
     </p:extLst>
   </p:cSld>

--- a/exposiciones/GonzálezAndrés/Extended.pptx
+++ b/exposiciones/GonzálezAndrés/Extended.pptx
@@ -19,6 +19,12 @@
     <p:sldId id="268" r:id="rId13"/>
     <p:sldId id="269" r:id="rId14"/>
     <p:sldId id="270" r:id="rId15"/>
+    <p:sldId id="271" r:id="rId16"/>
+    <p:sldId id="272" r:id="rId17"/>
+    <p:sldId id="273" r:id="rId18"/>
+    <p:sldId id="274" r:id="rId19"/>
+    <p:sldId id="275" r:id="rId20"/>
+    <p:sldId id="276" r:id="rId21"/>
   </p:sldIdLst>
   <p:sldSz cx="12192000" cy="6858000"/>
   <p:notesSz cx="6858000" cy="9144000"/>
@@ -117,6 +123,48 @@
       </a:defRPr>
     </a:lvl9pPr>
   </p:defaultTextStyle>
+  <p:extLst>
+    <p:ext uri="{521415D9-36F7-43E2-AB2F-B90AF26B5E84}">
+      <p14:sectionLst xmlns:p14="http://schemas.microsoft.com/office/powerpoint/2010/main">
+        <p14:section name="Sección predeterminada" id="{E3EBDB76-2730-4E0A-B65F-DAC8BD28D5F5}">
+          <p14:sldIdLst>
+            <p14:sldId id="256"/>
+          </p14:sldIdLst>
+        </p14:section>
+        <p14:section name="Ext" id="{1F67D088-CB78-4663-B986-DDBAD38DBB6B}">
+          <p14:sldIdLst>
+            <p14:sldId id="259"/>
+            <p14:sldId id="257"/>
+          </p14:sldIdLst>
+        </p14:section>
+        <p14:section name="Ext2" id="{52977A31-8D3E-4C98-8D2B-86E4FBE599E4}">
+          <p14:sldIdLst>
+            <p14:sldId id="261"/>
+            <p14:sldId id="258"/>
+            <p14:sldId id="260"/>
+            <p14:sldId id="262"/>
+            <p14:sldId id="263"/>
+            <p14:sldId id="264"/>
+            <p14:sldId id="265"/>
+            <p14:sldId id="267"/>
+            <p14:sldId id="268"/>
+            <p14:sldId id="269"/>
+            <p14:sldId id="270"/>
+          </p14:sldIdLst>
+        </p14:section>
+        <p14:section name="Ext3" id="{847946BD-ADD0-42EE-8D5F-6DBEB67E6E6F}">
+          <p14:sldIdLst>
+            <p14:sldId id="271"/>
+            <p14:sldId id="272"/>
+            <p14:sldId id="273"/>
+            <p14:sldId id="274"/>
+            <p14:sldId id="275"/>
+            <p14:sldId id="276"/>
+          </p14:sldIdLst>
+        </p14:section>
+      </p14:sectionLst>
+    </p:ext>
+  </p:extLst>
 </p:presentation>
 </file>
 
@@ -4422,6 +4470,912 @@
 </p:sld>
 </file>
 
+<file path=ppt/slides/slide15.xml><?xml version="1.0" encoding="utf-8"?>
+<p:sld xmlns:a="http://schemas.openxmlformats.org/drawingml/2006/main" xmlns:r="http://schemas.openxmlformats.org/officeDocument/2006/relationships" xmlns:p="http://schemas.openxmlformats.org/presentationml/2006/main">
+  <p:cSld>
+    <p:spTree>
+      <p:nvGrpSpPr>
+        <p:cNvPr id="1" name=""/>
+        <p:cNvGrpSpPr/>
+        <p:nvPr/>
+      </p:nvGrpSpPr>
+      <p:grpSpPr>
+        <a:xfrm>
+          <a:off x="0" y="0"/>
+          <a:ext cx="0" cy="0"/>
+          <a:chOff x="0" y="0"/>
+          <a:chExt cx="0" cy="0"/>
+        </a:xfrm>
+      </p:grpSpPr>
+      <p:sp>
+        <p:nvSpPr>
+          <p:cNvPr id="2" name="Título 1"/>
+          <p:cNvSpPr>
+            <a:spLocks noGrp="1"/>
+          </p:cNvSpPr>
+          <p:nvPr>
+            <p:ph type="title"/>
+          </p:nvPr>
+        </p:nvSpPr>
+        <p:spPr/>
+        <p:txBody>
+          <a:bodyPr/>
+          <a:lstStyle/>
+          <a:p>
+            <a:r>
+              <a:rPr lang="en-US" dirty="0"/>
+              <a:t>Third Extended File System (ext3)</a:t>
+            </a:r>
+            <a:endParaRPr lang="es-MX" dirty="0"/>
+          </a:p>
+        </p:txBody>
+      </p:sp>
+      <p:sp>
+        <p:nvSpPr>
+          <p:cNvPr id="3" name="Marcador de texto 2"/>
+          <p:cNvSpPr>
+            <a:spLocks noGrp="1"/>
+          </p:cNvSpPr>
+          <p:nvPr>
+            <p:ph type="body" idx="1"/>
+          </p:nvPr>
+        </p:nvSpPr>
+        <p:spPr/>
+        <p:txBody>
+          <a:bodyPr/>
+          <a:lstStyle/>
+          <a:p>
+            <a:endParaRPr lang="es-MX"/>
+          </a:p>
+        </p:txBody>
+      </p:sp>
+    </p:spTree>
+    <p:extLst>
+      <p:ext uri="{BB962C8B-B14F-4D97-AF65-F5344CB8AC3E}">
+        <p14:creationId xmlns:p14="http://schemas.microsoft.com/office/powerpoint/2010/main" val="2498616288"/>
+      </p:ext>
+    </p:extLst>
+  </p:cSld>
+  <p:clrMapOvr>
+    <a:masterClrMapping/>
+  </p:clrMapOvr>
+</p:sld>
+</file>
+
+<file path=ppt/slides/slide16.xml><?xml version="1.0" encoding="utf-8"?>
+<p:sld xmlns:a="http://schemas.openxmlformats.org/drawingml/2006/main" xmlns:r="http://schemas.openxmlformats.org/officeDocument/2006/relationships" xmlns:p="http://schemas.openxmlformats.org/presentationml/2006/main">
+  <p:cSld>
+    <p:spTree>
+      <p:nvGrpSpPr>
+        <p:cNvPr id="1" name=""/>
+        <p:cNvGrpSpPr/>
+        <p:nvPr/>
+      </p:nvGrpSpPr>
+      <p:grpSpPr>
+        <a:xfrm>
+          <a:off x="0" y="0"/>
+          <a:ext cx="0" cy="0"/>
+          <a:chOff x="0" y="0"/>
+          <a:chExt cx="0" cy="0"/>
+        </a:xfrm>
+      </p:grpSpPr>
+      <p:sp>
+        <p:nvSpPr>
+          <p:cNvPr id="4" name="Título 3"/>
+          <p:cNvSpPr>
+            <a:spLocks noGrp="1"/>
+          </p:cNvSpPr>
+          <p:nvPr>
+            <p:ph type="title"/>
+          </p:nvPr>
+        </p:nvSpPr>
+        <p:spPr/>
+        <p:txBody>
+          <a:bodyPr/>
+          <a:lstStyle/>
+          <a:p>
+            <a:r>
+              <a:rPr lang="es-MX" dirty="0" smtClean="0"/>
+              <a:t>Breve historia</a:t>
+            </a:r>
+            <a:endParaRPr lang="es-MX" dirty="0"/>
+          </a:p>
+        </p:txBody>
+      </p:sp>
+      <p:sp>
+        <p:nvSpPr>
+          <p:cNvPr id="5" name="Marcador de contenido 4"/>
+          <p:cNvSpPr>
+            <a:spLocks noGrp="1"/>
+          </p:cNvSpPr>
+          <p:nvPr>
+            <p:ph idx="1"/>
+          </p:nvPr>
+        </p:nvSpPr>
+        <p:spPr/>
+        <p:txBody>
+          <a:bodyPr/>
+          <a:lstStyle/>
+          <a:p>
+            <a:r>
+              <a:rPr lang="es-ES" dirty="0"/>
+              <a:t>Ext3 es un sistema de archivos con registro por diario (</a:t>
+            </a:r>
+            <a:r>
+              <a:rPr lang="es-ES" dirty="0" err="1"/>
+              <a:t>journaled</a:t>
+            </a:r>
+            <a:r>
+              <a:rPr lang="es-ES" dirty="0"/>
+              <a:t> file </a:t>
+            </a:r>
+            <a:r>
+              <a:rPr lang="es-ES" dirty="0" err="1"/>
+              <a:t>system</a:t>
+            </a:r>
+            <a:r>
+              <a:rPr lang="es-ES" dirty="0"/>
+              <a:t>). </a:t>
+            </a:r>
+            <a:endParaRPr lang="es-ES" dirty="0" smtClean="0"/>
+          </a:p>
+          <a:p>
+            <a:r>
+              <a:rPr lang="es-ES" dirty="0"/>
+              <a:t>S</a:t>
+            </a:r>
+            <a:r>
+              <a:rPr lang="es-ES" dirty="0" smtClean="0"/>
+              <a:t>e </a:t>
+            </a:r>
+            <a:r>
+              <a:rPr lang="es-ES" dirty="0"/>
+              <a:t>unió al </a:t>
+            </a:r>
+            <a:r>
+              <a:rPr lang="es-ES" dirty="0" err="1"/>
+              <a:t>kernel</a:t>
+            </a:r>
+            <a:r>
+              <a:rPr lang="es-ES" dirty="0"/>
+              <a:t> principal de Linux en noviembre de 2001. </a:t>
+            </a:r>
+            <a:endParaRPr lang="es-ES" dirty="0" smtClean="0"/>
+          </a:p>
+          <a:p>
+            <a:r>
+              <a:rPr lang="es-ES" dirty="0"/>
+              <a:t>D</a:t>
+            </a:r>
+            <a:r>
+              <a:rPr lang="es-ES" dirty="0" smtClean="0"/>
+              <a:t>esarrollado </a:t>
+            </a:r>
+            <a:r>
+              <a:rPr lang="es-ES" dirty="0"/>
+              <a:t>por Stephen </a:t>
+            </a:r>
+            <a:r>
+              <a:rPr lang="es-ES" dirty="0" err="1"/>
+              <a:t>Tweedie</a:t>
+            </a:r>
+            <a:r>
+              <a:rPr lang="es-ES" dirty="0"/>
+              <a:t>. </a:t>
+            </a:r>
+            <a:endParaRPr lang="es-ES" dirty="0" smtClean="0"/>
+          </a:p>
+          <a:p>
+            <a:r>
+              <a:rPr lang="es-ES" dirty="0" smtClean="0"/>
+              <a:t>Tiene </a:t>
+            </a:r>
+            <a:r>
+              <a:rPr lang="es-ES" dirty="0"/>
+              <a:t>la ventaja de que los usuarios pueden actualizar desde ext2 sin tener que realizar copias de seguridad ni restaurar datos.</a:t>
+            </a:r>
+          </a:p>
+          <a:p>
+            <a:r>
+              <a:rPr lang="es-ES" dirty="0" smtClean="0"/>
+              <a:t>El </a:t>
+            </a:r>
+            <a:r>
+              <a:rPr lang="es-ES" dirty="0"/>
+              <a:t>sistema ext3, añade las siguientes características ext2.</a:t>
+            </a:r>
+          </a:p>
+          <a:p>
+            <a:pPr lvl="1"/>
+            <a:r>
+              <a:rPr lang="es-ES" dirty="0" smtClean="0"/>
+              <a:t>Un </a:t>
+            </a:r>
+            <a:r>
+              <a:rPr lang="es-ES" dirty="0"/>
+              <a:t>registro de diario (</a:t>
+            </a:r>
+            <a:r>
+              <a:rPr lang="es-ES" dirty="0" err="1"/>
+              <a:t>journal</a:t>
+            </a:r>
+            <a:r>
+              <a:rPr lang="es-ES" dirty="0"/>
+              <a:t>).</a:t>
+            </a:r>
+          </a:p>
+          <a:p>
+            <a:pPr lvl="1"/>
+            <a:r>
+              <a:rPr lang="es-ES" dirty="0" smtClean="0"/>
+              <a:t>Estructura </a:t>
+            </a:r>
+            <a:r>
+              <a:rPr lang="es-ES" dirty="0"/>
+              <a:t>de </a:t>
+            </a:r>
+            <a:r>
+              <a:rPr lang="es-ES" dirty="0" err="1"/>
+              <a:t>Arbol</a:t>
+            </a:r>
+            <a:r>
+              <a:rPr lang="es-ES" dirty="0"/>
+              <a:t> Hash para indexar grandes directorios.</a:t>
+            </a:r>
+          </a:p>
+          <a:p>
+            <a:pPr lvl="1"/>
+            <a:r>
+              <a:rPr lang="es-ES" dirty="0" smtClean="0"/>
+              <a:t>Crecimiento </a:t>
+            </a:r>
+            <a:r>
+              <a:rPr lang="es-ES" dirty="0"/>
+              <a:t>en línea del sistema de archivos.</a:t>
+            </a:r>
+            <a:endParaRPr lang="es-MX" dirty="0"/>
+          </a:p>
+        </p:txBody>
+      </p:sp>
+    </p:spTree>
+    <p:extLst>
+      <p:ext uri="{BB962C8B-B14F-4D97-AF65-F5344CB8AC3E}">
+        <p14:creationId xmlns:p14="http://schemas.microsoft.com/office/powerpoint/2010/main" val="2378710051"/>
+      </p:ext>
+    </p:extLst>
+  </p:cSld>
+  <p:clrMapOvr>
+    <a:masterClrMapping/>
+  </p:clrMapOvr>
+</p:sld>
+</file>
+
+<file path=ppt/slides/slide17.xml><?xml version="1.0" encoding="utf-8"?>
+<p:sld xmlns:a="http://schemas.openxmlformats.org/drawingml/2006/main" xmlns:r="http://schemas.openxmlformats.org/officeDocument/2006/relationships" xmlns:p="http://schemas.openxmlformats.org/presentationml/2006/main">
+  <p:cSld>
+    <p:spTree>
+      <p:nvGrpSpPr>
+        <p:cNvPr id="1" name=""/>
+        <p:cNvGrpSpPr/>
+        <p:nvPr/>
+      </p:nvGrpSpPr>
+      <p:grpSpPr>
+        <a:xfrm>
+          <a:off x="0" y="0"/>
+          <a:ext cx="0" cy="0"/>
+          <a:chOff x="0" y="0"/>
+          <a:chExt cx="0" cy="0"/>
+        </a:xfrm>
+      </p:grpSpPr>
+      <p:sp>
+        <p:nvSpPr>
+          <p:cNvPr id="2" name="Título 1"/>
+          <p:cNvSpPr>
+            <a:spLocks noGrp="1"/>
+          </p:cNvSpPr>
+          <p:nvPr>
+            <p:ph type="title"/>
+          </p:nvPr>
+        </p:nvSpPr>
+        <p:spPr/>
+        <p:txBody>
+          <a:bodyPr/>
+          <a:lstStyle/>
+          <a:p>
+            <a:r>
+              <a:rPr lang="es-MX" dirty="0" err="1"/>
+              <a:t>Journaled</a:t>
+            </a:r>
+            <a:r>
+              <a:rPr lang="es-MX" dirty="0"/>
+              <a:t> File </a:t>
+            </a:r>
+            <a:r>
+              <a:rPr lang="es-MX" dirty="0" err="1"/>
+              <a:t>System</a:t>
+            </a:r>
+            <a:r>
+              <a:rPr lang="es-MX" dirty="0"/>
+              <a:t> (JFS)</a:t>
+            </a:r>
+          </a:p>
+        </p:txBody>
+      </p:sp>
+      <p:sp>
+        <p:nvSpPr>
+          <p:cNvPr id="3" name="Marcador de contenido 2"/>
+          <p:cNvSpPr>
+            <a:spLocks noGrp="1"/>
+          </p:cNvSpPr>
+          <p:nvPr>
+            <p:ph idx="1"/>
+          </p:nvPr>
+        </p:nvSpPr>
+        <p:spPr/>
+        <p:txBody>
+          <a:bodyPr/>
+          <a:lstStyle/>
+          <a:p>
+            <a:r>
+              <a:rPr lang="es-ES" dirty="0" smtClean="0"/>
+              <a:t>Son </a:t>
+            </a:r>
+            <a:r>
+              <a:rPr lang="es-ES" dirty="0"/>
+              <a:t>sistemas que mantienen registro de los cambios que aún no han sido entregados a la parte principal del sistema de archivos. </a:t>
+            </a:r>
+            <a:endParaRPr lang="es-ES" dirty="0" smtClean="0"/>
+          </a:p>
+          <a:p>
+            <a:r>
+              <a:rPr lang="es-ES" dirty="0" smtClean="0"/>
+              <a:t>Consisten en un </a:t>
+            </a:r>
+            <a:r>
+              <a:rPr lang="es-ES" dirty="0"/>
+              <a:t>registro de diario en el que se almacena la información necesaria para restablecer los datos afectados por la transacción en caso de que esta falle</a:t>
+            </a:r>
+            <a:r>
+              <a:rPr lang="es-ES" dirty="0" smtClean="0"/>
+              <a:t>.</a:t>
+            </a:r>
+            <a:endParaRPr lang="es-ES" dirty="0"/>
+          </a:p>
+          <a:p>
+            <a:r>
+              <a:rPr lang="es-ES" dirty="0"/>
+              <a:t>Como los registros en el diario son escritos antes de que los cambios al sistema de archivos estén hechos, y como el sistema de archivos mantiene estos registros hasta que los cambios han sido aplicados al sistema de archivos, los sistemas con registro por diario maximizan la consistencia y minimizan el tiempo de reinicio en caso de un apagado de sistema </a:t>
+            </a:r>
+            <a:r>
+              <a:rPr lang="es-ES" dirty="0" err="1"/>
+              <a:t>inapropado</a:t>
+            </a:r>
+            <a:r>
+              <a:rPr lang="es-ES" dirty="0"/>
+              <a:t>.</a:t>
+            </a:r>
+            <a:endParaRPr lang="es-MX" dirty="0"/>
+          </a:p>
+        </p:txBody>
+      </p:sp>
+    </p:spTree>
+    <p:extLst>
+      <p:ext uri="{BB962C8B-B14F-4D97-AF65-F5344CB8AC3E}">
+        <p14:creationId xmlns:p14="http://schemas.microsoft.com/office/powerpoint/2010/main" val="4220410451"/>
+      </p:ext>
+    </p:extLst>
+  </p:cSld>
+  <p:clrMapOvr>
+    <a:masterClrMapping/>
+  </p:clrMapOvr>
+</p:sld>
+</file>
+
+<file path=ppt/slides/slide18.xml><?xml version="1.0" encoding="utf-8"?>
+<p:sld xmlns:a="http://schemas.openxmlformats.org/drawingml/2006/main" xmlns:r="http://schemas.openxmlformats.org/officeDocument/2006/relationships" xmlns:p="http://schemas.openxmlformats.org/presentationml/2006/main">
+  <p:cSld>
+    <p:spTree>
+      <p:nvGrpSpPr>
+        <p:cNvPr id="1" name=""/>
+        <p:cNvGrpSpPr/>
+        <p:nvPr/>
+      </p:nvGrpSpPr>
+      <p:grpSpPr>
+        <a:xfrm>
+          <a:off x="0" y="0"/>
+          <a:ext cx="0" cy="0"/>
+          <a:chOff x="0" y="0"/>
+          <a:chExt cx="0" cy="0"/>
+        </a:xfrm>
+      </p:grpSpPr>
+      <p:sp>
+        <p:nvSpPr>
+          <p:cNvPr id="2" name="Título 1"/>
+          <p:cNvSpPr>
+            <a:spLocks noGrp="1"/>
+          </p:cNvSpPr>
+          <p:nvPr>
+            <p:ph type="title"/>
+          </p:nvPr>
+        </p:nvSpPr>
+        <p:spPr/>
+        <p:txBody>
+          <a:bodyPr/>
+          <a:lstStyle/>
+          <a:p>
+            <a:r>
+              <a:rPr lang="es-ES" dirty="0"/>
+              <a:t>Límites en tamaño de ext3</a:t>
+            </a:r>
+            <a:endParaRPr lang="es-MX" dirty="0"/>
+          </a:p>
+        </p:txBody>
+      </p:sp>
+      <mc:AlternateContent xmlns:mc="http://schemas.openxmlformats.org/markup-compatibility/2006">
+        <mc:Choice xmlns:a14="http://schemas.microsoft.com/office/drawing/2010/main" Requires="a14">
+          <p:sp>
+            <p:nvSpPr>
+              <p:cNvPr id="3" name="Marcador de contenido 2"/>
+              <p:cNvSpPr>
+                <a:spLocks noGrp="1"/>
+              </p:cNvSpPr>
+              <p:nvPr>
+                <p:ph idx="1"/>
+              </p:nvPr>
+            </p:nvSpPr>
+            <p:spPr>
+              <a:xfrm>
+                <a:off x="1024128" y="2286000"/>
+                <a:ext cx="9720071" cy="1427805"/>
+              </a:xfrm>
+            </p:spPr>
+            <p:txBody>
+              <a:bodyPr/>
+              <a:lstStyle/>
+              <a:p>
+                <a:r>
+                  <a:rPr lang="es-ES" dirty="0" smtClean="0"/>
+                  <a:t>El número máximo de bloques para ext3 es </a:t>
+                </a:r>
+                <a14:m>
+                  <m:oMath xmlns:m="http://schemas.openxmlformats.org/officeDocument/2006/math">
+                    <m:sSup>
+                      <m:sSupPr>
+                        <m:ctrlPr>
+                          <a:rPr lang="es-ES" i="1" dirty="0" smtClean="0">
+                            <a:latin typeface="Cambria Math" panose="02040503050406030204" pitchFamily="18" charset="0"/>
+                          </a:rPr>
+                        </m:ctrlPr>
+                      </m:sSupPr>
+                      <m:e>
+                        <m:r>
+                          <a:rPr lang="es-MX" b="0" i="1" dirty="0" smtClean="0">
+                            <a:latin typeface="Cambria Math" panose="02040503050406030204" pitchFamily="18" charset="0"/>
+                          </a:rPr>
+                          <m:t>2</m:t>
+                        </m:r>
+                      </m:e>
+                      <m:sup>
+                        <m:r>
+                          <a:rPr lang="es-MX" b="0" i="1" dirty="0" smtClean="0">
+                            <a:latin typeface="Cambria Math" panose="02040503050406030204" pitchFamily="18" charset="0"/>
+                          </a:rPr>
+                          <m:t>32</m:t>
+                        </m:r>
+                      </m:sup>
+                    </m:sSup>
+                  </m:oMath>
+                </a14:m>
+                <a:r>
+                  <a:rPr lang="es-ES" dirty="0" smtClean="0"/>
+                  <a:t>. </a:t>
+                </a:r>
+              </a:p>
+              <a:p>
+                <a:r>
+                  <a:rPr lang="es-ES" dirty="0" smtClean="0"/>
+                  <a:t>El </a:t>
+                </a:r>
+                <a:r>
+                  <a:rPr lang="es-ES" dirty="0"/>
+                  <a:t>tamaño del bloque puede variar, afectando máximo de archivos y al tamaño máximo del sistema de archivos</a:t>
+                </a:r>
+                <a:r>
+                  <a:rPr lang="es-ES" dirty="0" smtClean="0"/>
+                  <a:t>.</a:t>
+                </a:r>
+              </a:p>
+              <a:p>
+                <a:endParaRPr lang="es-ES" dirty="0" smtClean="0"/>
+              </a:p>
+              <a:p>
+                <a:endParaRPr lang="es-MX" dirty="0"/>
+              </a:p>
+            </p:txBody>
+          </p:sp>
+        </mc:Choice>
+        <mc:Fallback>
+          <p:sp>
+            <p:nvSpPr>
+              <p:cNvPr id="3" name="Marcador de contenido 2"/>
+              <p:cNvSpPr>
+                <a:spLocks noGrp="1" noRot="1" noChangeAspect="1" noMove="1" noResize="1" noEditPoints="1" noAdjustHandles="1" noChangeArrowheads="1" noChangeShapeType="1" noTextEdit="1"/>
+              </p:cNvSpPr>
+              <p:nvPr>
+                <p:ph idx="1"/>
+              </p:nvPr>
+            </p:nvSpPr>
+            <p:spPr>
+              <a:xfrm>
+                <a:off x="1024128" y="2286000"/>
+                <a:ext cx="9720071" cy="1427805"/>
+              </a:xfrm>
+              <a:blipFill rotWithShape="0">
+                <a:blip r:embed="rId2"/>
+                <a:stretch>
+                  <a:fillRect l="-314" t="-5128"/>
+                </a:stretch>
+              </a:blipFill>
+            </p:spPr>
+            <p:txBody>
+              <a:bodyPr/>
+              <a:lstStyle/>
+              <a:p>
+                <a:r>
+                  <a:rPr lang="es-MX">
+                    <a:noFill/>
+                  </a:rPr>
+                  <a:t> </a:t>
+                </a:r>
+              </a:p>
+            </p:txBody>
+          </p:sp>
+        </mc:Fallback>
+      </mc:AlternateContent>
+      <p:graphicFrame>
+        <p:nvGraphicFramePr>
+          <p:cNvPr id="5" name="Tabla 4"/>
+          <p:cNvGraphicFramePr>
+            <a:graphicFrameLocks noGrp="1"/>
+          </p:cNvGraphicFramePr>
+          <p:nvPr>
+            <p:extLst>
+              <p:ext uri="{D42A27DB-BD31-4B8C-83A1-F6EECF244321}">
+                <p14:modId xmlns:p14="http://schemas.microsoft.com/office/powerpoint/2010/main" val="31606802"/>
+              </p:ext>
+            </p:extLst>
+          </p:nvPr>
+        </p:nvGraphicFramePr>
+        <p:xfrm>
+          <a:off x="1024128" y="3914973"/>
+          <a:ext cx="9720261" cy="1737871"/>
+        </p:xfrm>
+        <a:graphic>
+          <a:graphicData uri="http://schemas.openxmlformats.org/drawingml/2006/table">
+            <a:tbl>
+              <a:tblPr>
+                <a:tableStyleId>{F2DE63D5-997A-4646-A377-4702673A728D}</a:tableStyleId>
+              </a:tblPr>
+              <a:tblGrid>
+                <a:gridCol w="3240087"/>
+                <a:gridCol w="3240087"/>
+                <a:gridCol w="3240087"/>
+              </a:tblGrid>
+              <a:tr h="0">
+                <a:tc>
+                  <a:txBody>
+                    <a:bodyPr/>
+                    <a:lstStyle/>
+                    <a:p>
+                      <a:r>
+                        <a:rPr lang="es-MX" dirty="0">
+                          <a:effectLst/>
+                        </a:rPr>
+                        <a:t>Tamaño del bloque</a:t>
+                      </a:r>
+                    </a:p>
+                  </a:txBody>
+                  <a:tcPr marL="76200" marR="76200" marT="38100" marB="38100" anchor="ctr"/>
+                </a:tc>
+                <a:tc>
+                  <a:txBody>
+                    <a:bodyPr/>
+                    <a:lstStyle/>
+                    <a:p>
+                      <a:r>
+                        <a:rPr lang="es-MX" dirty="0" err="1">
+                          <a:effectLst/>
+                        </a:rPr>
+                        <a:t>Tanmaño</a:t>
+                      </a:r>
+                      <a:r>
+                        <a:rPr lang="es-MX" dirty="0">
+                          <a:effectLst/>
+                        </a:rPr>
+                        <a:t> máximo de archivo</a:t>
+                      </a:r>
+                    </a:p>
+                  </a:txBody>
+                  <a:tcPr marL="76200" marR="76200" marT="38100" marB="38100" anchor="ctr"/>
+                </a:tc>
+                <a:tc>
+                  <a:txBody>
+                    <a:bodyPr/>
+                    <a:lstStyle/>
+                    <a:p>
+                      <a:r>
+                        <a:rPr lang="es-ES">
+                          <a:effectLst/>
+                        </a:rPr>
+                        <a:t>Tamaño máximo del sistema de archivos</a:t>
+                      </a:r>
+                    </a:p>
+                  </a:txBody>
+                  <a:tcPr marL="76200" marR="76200" marT="38100" marB="38100" anchor="ctr"/>
+                </a:tc>
+              </a:tr>
+              <a:tr h="0">
+                <a:tc>
+                  <a:txBody>
+                    <a:bodyPr/>
+                    <a:lstStyle/>
+                    <a:p>
+                      <a:r>
+                        <a:rPr lang="es-MX">
+                          <a:effectLst/>
+                        </a:rPr>
+                        <a:t>1 KB</a:t>
+                      </a:r>
+                    </a:p>
+                  </a:txBody>
+                  <a:tcPr marL="76200" marR="76200" marT="38100" marB="38100" anchor="ctr"/>
+                </a:tc>
+                <a:tc>
+                  <a:txBody>
+                    <a:bodyPr/>
+                    <a:lstStyle/>
+                    <a:p>
+                      <a:r>
+                        <a:rPr lang="es-MX" dirty="0">
+                          <a:effectLst/>
+                        </a:rPr>
+                        <a:t>16 GB</a:t>
+                      </a:r>
+                    </a:p>
+                  </a:txBody>
+                  <a:tcPr marL="76200" marR="76200" marT="38100" marB="38100" anchor="ctr"/>
+                </a:tc>
+                <a:tc>
+                  <a:txBody>
+                    <a:bodyPr/>
+                    <a:lstStyle/>
+                    <a:p>
+                      <a:r>
+                        <a:rPr lang="es-MX">
+                          <a:effectLst/>
+                        </a:rPr>
+                        <a:t>2 TB</a:t>
+                      </a:r>
+                    </a:p>
+                  </a:txBody>
+                  <a:tcPr marL="76200" marR="76200" marT="38100" marB="38100" anchor="ctr"/>
+                </a:tc>
+              </a:tr>
+              <a:tr h="0">
+                <a:tc>
+                  <a:txBody>
+                    <a:bodyPr/>
+                    <a:lstStyle/>
+                    <a:p>
+                      <a:r>
+                        <a:rPr lang="es-MX">
+                          <a:effectLst/>
+                        </a:rPr>
+                        <a:t>2 KB</a:t>
+                      </a:r>
+                    </a:p>
+                  </a:txBody>
+                  <a:tcPr marL="76200" marR="76200" marT="38100" marB="38100" anchor="ctr"/>
+                </a:tc>
+                <a:tc>
+                  <a:txBody>
+                    <a:bodyPr/>
+                    <a:lstStyle/>
+                    <a:p>
+                      <a:r>
+                        <a:rPr lang="es-MX">
+                          <a:effectLst/>
+                        </a:rPr>
+                        <a:t>256 GB</a:t>
+                      </a:r>
+                    </a:p>
+                  </a:txBody>
+                  <a:tcPr marL="76200" marR="76200" marT="38100" marB="38100" anchor="ctr"/>
+                </a:tc>
+                <a:tc>
+                  <a:txBody>
+                    <a:bodyPr/>
+                    <a:lstStyle/>
+                    <a:p>
+                      <a:r>
+                        <a:rPr lang="es-MX">
+                          <a:effectLst/>
+                        </a:rPr>
+                        <a:t>8 TB</a:t>
+                      </a:r>
+                    </a:p>
+                  </a:txBody>
+                  <a:tcPr marL="76200" marR="76200" marT="38100" marB="38100" anchor="ctr"/>
+                </a:tc>
+              </a:tr>
+              <a:tr h="411991">
+                <a:tc>
+                  <a:txBody>
+                    <a:bodyPr/>
+                    <a:lstStyle/>
+                    <a:p>
+                      <a:r>
+                        <a:rPr lang="es-MX">
+                          <a:effectLst/>
+                        </a:rPr>
+                        <a:t>4 KB</a:t>
+                      </a:r>
+                    </a:p>
+                  </a:txBody>
+                  <a:tcPr marL="76200" marR="76200" marT="38100" marB="38100" anchor="ctr"/>
+                </a:tc>
+                <a:tc>
+                  <a:txBody>
+                    <a:bodyPr/>
+                    <a:lstStyle/>
+                    <a:p>
+                      <a:r>
+                        <a:rPr lang="es-MX" dirty="0">
+                          <a:effectLst/>
+                        </a:rPr>
+                        <a:t>2 TB</a:t>
+                      </a:r>
+                    </a:p>
+                  </a:txBody>
+                  <a:tcPr marL="76200" marR="76200" marT="38100" marB="38100" anchor="ctr"/>
+                </a:tc>
+                <a:tc>
+                  <a:txBody>
+                    <a:bodyPr/>
+                    <a:lstStyle/>
+                    <a:p>
+                      <a:r>
+                        <a:rPr lang="es-MX" dirty="0">
+                          <a:effectLst/>
+                        </a:rPr>
+                        <a:t>16 TB</a:t>
+                      </a:r>
+                    </a:p>
+                  </a:txBody>
+                  <a:tcPr marL="76200" marR="76200" marT="38100" marB="38100" anchor="ctr"/>
+                </a:tc>
+              </a:tr>
+            </a:tbl>
+          </a:graphicData>
+        </a:graphic>
+      </p:graphicFrame>
+    </p:spTree>
+    <p:extLst>
+      <p:ext uri="{BB962C8B-B14F-4D97-AF65-F5344CB8AC3E}">
+        <p14:creationId xmlns:p14="http://schemas.microsoft.com/office/powerpoint/2010/main" val="2721255530"/>
+      </p:ext>
+    </p:extLst>
+  </p:cSld>
+  <p:clrMapOvr>
+    <a:masterClrMapping/>
+  </p:clrMapOvr>
+</p:sld>
+</file>
+
+<file path=ppt/slides/slide19.xml><?xml version="1.0" encoding="utf-8"?>
+<p:sld xmlns:a="http://schemas.openxmlformats.org/drawingml/2006/main" xmlns:r="http://schemas.openxmlformats.org/officeDocument/2006/relationships" xmlns:p="http://schemas.openxmlformats.org/presentationml/2006/main">
+  <p:cSld>
+    <p:spTree>
+      <p:nvGrpSpPr>
+        <p:cNvPr id="1" name=""/>
+        <p:cNvGrpSpPr/>
+        <p:nvPr/>
+      </p:nvGrpSpPr>
+      <p:grpSpPr>
+        <a:xfrm>
+          <a:off x="0" y="0"/>
+          <a:ext cx="0" cy="0"/>
+          <a:chOff x="0" y="0"/>
+          <a:chExt cx="0" cy="0"/>
+        </a:xfrm>
+      </p:grpSpPr>
+      <p:sp>
+        <p:nvSpPr>
+          <p:cNvPr id="2" name="Título 1"/>
+          <p:cNvSpPr>
+            <a:spLocks noGrp="1"/>
+          </p:cNvSpPr>
+          <p:nvPr>
+            <p:ph type="title"/>
+          </p:nvPr>
+        </p:nvSpPr>
+        <p:spPr/>
+        <p:txBody>
+          <a:bodyPr/>
+          <a:lstStyle/>
+          <a:p>
+            <a:r>
+              <a:rPr lang="es-MX" dirty="0"/>
+              <a:t>Niveles del </a:t>
+            </a:r>
+            <a:r>
+              <a:rPr lang="es-MX" dirty="0" err="1"/>
+              <a:t>Journaling</a:t>
+            </a:r>
+            <a:endParaRPr lang="es-MX" dirty="0"/>
+          </a:p>
+        </p:txBody>
+      </p:sp>
+      <p:sp>
+        <p:nvSpPr>
+          <p:cNvPr id="3" name="Marcador de contenido 2"/>
+          <p:cNvSpPr>
+            <a:spLocks noGrp="1"/>
+          </p:cNvSpPr>
+          <p:nvPr>
+            <p:ph idx="1"/>
+          </p:nvPr>
+        </p:nvSpPr>
+        <p:spPr/>
+        <p:txBody>
+          <a:bodyPr/>
+          <a:lstStyle/>
+          <a:p>
+            <a:r>
+              <a:rPr lang="es-ES" b="1" dirty="0" err="1"/>
+              <a:t>Journal</a:t>
+            </a:r>
+            <a:r>
+              <a:rPr lang="es-ES" dirty="0"/>
+              <a:t>. Los metadatos y los ficheros de contenido son copiados al diario antes de ser llevados al sistema de archivos principal. Es el modo más lento y seguro.</a:t>
+            </a:r>
+          </a:p>
+          <a:p>
+            <a:r>
+              <a:rPr lang="es-ES" b="1" dirty="0" err="1"/>
+              <a:t>Ordered</a:t>
+            </a:r>
+            <a:r>
+              <a:rPr lang="es-ES" dirty="0"/>
+              <a:t>. Este modo solo registra los cambios en los metadatos del sistema de archivos, pero vacía las actualizaciones de datos de archivos en el disco antes de realizar cambios en los metadatos del sistema de archivos asociado. Es el modo por defecto en ext3.</a:t>
+            </a:r>
+          </a:p>
+          <a:p>
+            <a:r>
+              <a:rPr lang="es-ES" b="1" dirty="0" err="1"/>
+              <a:t>Writeback</a:t>
+            </a:r>
+            <a:r>
+              <a:rPr lang="es-ES" dirty="0"/>
+              <a:t>. Este modo solo registra los cambios en los metadatos del sistema de archivos. Este modo depende de que el proceso de escritura del sistema de archivos escriba los cambios de datos de archivos en el disco. Es el modo más rápido y riesgoso.</a:t>
+            </a:r>
+            <a:endParaRPr lang="es-MX" dirty="0"/>
+          </a:p>
+        </p:txBody>
+      </p:sp>
+    </p:spTree>
+    <p:extLst>
+      <p:ext uri="{BB962C8B-B14F-4D97-AF65-F5344CB8AC3E}">
+        <p14:creationId xmlns:p14="http://schemas.microsoft.com/office/powerpoint/2010/main" val="1418685482"/>
+      </p:ext>
+    </p:extLst>
+  </p:cSld>
+  <p:clrMapOvr>
+    <a:masterClrMapping/>
+  </p:clrMapOvr>
+</p:sld>
+</file>
+
 <file path=ppt/slides/slide2.xml><?xml version="1.0" encoding="utf-8"?>
 <p:sld xmlns:a="http://schemas.openxmlformats.org/drawingml/2006/main" xmlns:r="http://schemas.openxmlformats.org/officeDocument/2006/relationships" xmlns:p="http://schemas.openxmlformats.org/presentationml/2006/main">
   <p:cSld>
@@ -4441,7 +5395,7 @@
       </p:grpSpPr>
       <p:sp>
         <p:nvSpPr>
-          <p:cNvPr id="4" name="Título 3"/>
+          <p:cNvPr id="8" name="Título 7"/>
           <p:cNvSpPr>
             <a:spLocks noGrp="1"/>
           </p:cNvSpPr>
@@ -4455,24 +5409,8 @@
           <a:lstStyle/>
           <a:p>
             <a:r>
-              <a:rPr lang="es-MX" b="1" dirty="0"/>
-              <a:t>Extended File </a:t>
-            </a:r>
-            <a:r>
-              <a:rPr lang="es-MX" b="1" dirty="0" err="1"/>
-              <a:t>System</a:t>
-            </a:r>
-            <a:r>
-              <a:rPr lang="es-MX" b="1" dirty="0"/>
-              <a:t> (</a:t>
-            </a:r>
-            <a:r>
-              <a:rPr lang="es-MX" b="1" dirty="0" err="1"/>
-              <a:t>ext</a:t>
-            </a:r>
-            <a:r>
-              <a:rPr lang="es-MX" b="1" dirty="0"/>
-              <a:t>)</a:t>
+              <a:rPr lang="es-MX" dirty="0" smtClean="0"/>
+              <a:t>EXTENDED FILE SYSTEM (EXT)</a:t>
             </a:r>
             <a:endParaRPr lang="es-MX" dirty="0"/>
           </a:p>
@@ -4480,7 +5418,7 @@
       </p:sp>
       <p:sp>
         <p:nvSpPr>
-          <p:cNvPr id="5" name="Marcador de texto 4"/>
+          <p:cNvPr id="9" name="Marcador de texto 8"/>
           <p:cNvSpPr>
             <a:spLocks noGrp="1"/>
           </p:cNvSpPr>
@@ -4501,6 +5439,74 @@
     <p:extLst>
       <p:ext uri="{BB962C8B-B14F-4D97-AF65-F5344CB8AC3E}">
         <p14:creationId xmlns:p14="http://schemas.microsoft.com/office/powerpoint/2010/main" val="3051162526"/>
+      </p:ext>
+    </p:extLst>
+  </p:cSld>
+  <p:clrMapOvr>
+    <a:masterClrMapping/>
+  </p:clrMapOvr>
+</p:sld>
+</file>
+
+<file path=ppt/slides/slide20.xml><?xml version="1.0" encoding="utf-8"?>
+<p:sld xmlns:a="http://schemas.openxmlformats.org/drawingml/2006/main" xmlns:r="http://schemas.openxmlformats.org/officeDocument/2006/relationships" xmlns:p="http://schemas.openxmlformats.org/presentationml/2006/main">
+  <p:cSld>
+    <p:spTree>
+      <p:nvGrpSpPr>
+        <p:cNvPr id="1" name=""/>
+        <p:cNvGrpSpPr/>
+        <p:nvPr/>
+      </p:nvGrpSpPr>
+      <p:grpSpPr>
+        <a:xfrm>
+          <a:off x="0" y="0"/>
+          <a:ext cx="0" cy="0"/>
+          <a:chOff x="0" y="0"/>
+          <a:chExt cx="0" cy="0"/>
+        </a:xfrm>
+      </p:grpSpPr>
+      <p:sp>
+        <p:nvSpPr>
+          <p:cNvPr id="2" name="Título 1"/>
+          <p:cNvSpPr>
+            <a:spLocks noGrp="1"/>
+          </p:cNvSpPr>
+          <p:nvPr>
+            <p:ph type="title"/>
+          </p:nvPr>
+        </p:nvSpPr>
+        <p:spPr/>
+        <p:txBody>
+          <a:bodyPr/>
+          <a:lstStyle/>
+          <a:p>
+            <a:endParaRPr lang="es-MX"/>
+          </a:p>
+        </p:txBody>
+      </p:sp>
+      <p:sp>
+        <p:nvSpPr>
+          <p:cNvPr id="3" name="Marcador de contenido 2"/>
+          <p:cNvSpPr>
+            <a:spLocks noGrp="1"/>
+          </p:cNvSpPr>
+          <p:nvPr>
+            <p:ph idx="1"/>
+          </p:nvPr>
+        </p:nvSpPr>
+        <p:spPr/>
+        <p:txBody>
+          <a:bodyPr/>
+          <a:lstStyle/>
+          <a:p>
+            <a:endParaRPr lang="es-MX"/>
+          </a:p>
+        </p:txBody>
+      </p:sp>
+    </p:spTree>
+    <p:extLst>
+      <p:ext uri="{BB962C8B-B14F-4D97-AF65-F5344CB8AC3E}">
+        <p14:creationId xmlns:p14="http://schemas.microsoft.com/office/powerpoint/2010/main" val="2339311257"/>
       </p:ext>
     </p:extLst>
   </p:cSld>
@@ -4754,39 +5760,8 @@
           <a:lstStyle/>
           <a:p>
             <a:r>
-              <a:rPr lang="en-US" b="1" dirty="0" smtClean="0"/>
-              <a:t>Second Extended</a:t>
-            </a:r>
-            <a:r>
-              <a:rPr lang="en-US" b="1" dirty="0"/>
-              <a:t> </a:t>
-            </a:r>
-            <a:r>
-              <a:rPr lang="en-US" b="1" dirty="0" smtClean="0"/>
-              <a:t/>
-            </a:r>
-            <a:br>
-              <a:rPr lang="en-US" b="1" dirty="0" smtClean="0"/>
-            </a:br>
-            <a:r>
-              <a:rPr lang="en-US" b="1" dirty="0" smtClean="0"/>
-              <a:t>File</a:t>
-            </a:r>
-            <a:r>
-              <a:rPr lang="en-US" b="1" dirty="0"/>
-              <a:t> </a:t>
-            </a:r>
-            <a:r>
-              <a:rPr lang="en-US" b="1" dirty="0" smtClean="0"/>
-              <a:t>System</a:t>
-            </a:r>
-            <a:r>
-              <a:rPr lang="en-US" b="1" dirty="0"/>
-              <a:t> </a:t>
-            </a:r>
-            <a:r>
-              <a:rPr lang="en-US" b="1" dirty="0" smtClean="0"/>
-              <a:t>(ext2)</a:t>
+              <a:rPr lang="es-MX" dirty="0" smtClean="0"/>
+              <a:t>SECOND EXTENDED FILE SYSTEM (EXT2)</a:t>
             </a:r>
             <a:endParaRPr lang="es-MX" dirty="0"/>
           </a:p>

--- a/exposiciones/GonzálezAndrés/Extended.pptx
+++ b/exposiciones/GonzálezAndrés/Extended.pptx
@@ -25,6 +25,13 @@
     <p:sldId id="274" r:id="rId19"/>
     <p:sldId id="275" r:id="rId20"/>
     <p:sldId id="276" r:id="rId21"/>
+    <p:sldId id="277" r:id="rId22"/>
+    <p:sldId id="278" r:id="rId23"/>
+    <p:sldId id="279" r:id="rId24"/>
+    <p:sldId id="280" r:id="rId25"/>
+    <p:sldId id="281" r:id="rId26"/>
+    <p:sldId id="283" r:id="rId27"/>
+    <p:sldId id="284" r:id="rId28"/>
   </p:sldIdLst>
   <p:sldSz cx="12192000" cy="6858000"/>
   <p:notesSz cx="6858000" cy="9144000"/>
@@ -159,7 +166,18 @@
             <p14:sldId id="273"/>
             <p14:sldId id="274"/>
             <p14:sldId id="275"/>
+          </p14:sldIdLst>
+        </p14:section>
+        <p14:section name="ext4" id="{A6908DB8-5A70-416C-AB15-CF0ED1334E9C}">
+          <p14:sldIdLst>
             <p14:sldId id="276"/>
+            <p14:sldId id="277"/>
+            <p14:sldId id="278"/>
+            <p14:sldId id="279"/>
+            <p14:sldId id="280"/>
+            <p14:sldId id="281"/>
+            <p14:sldId id="283"/>
+            <p14:sldId id="284"/>
           </p14:sldIdLst>
         </p14:section>
       </p14:sectionLst>
@@ -5467,7 +5485,7 @@
       </p:grpSpPr>
       <p:sp>
         <p:nvSpPr>
-          <p:cNvPr id="2" name="Título 1"/>
+          <p:cNvPr id="4" name="Título 3"/>
           <p:cNvSpPr>
             <a:spLocks noGrp="1"/>
           </p:cNvSpPr>
@@ -5477,21 +5495,31 @@
         </p:nvSpPr>
         <p:spPr/>
         <p:txBody>
-          <a:bodyPr/>
-          <a:lstStyle/>
-          <a:p>
-            <a:endParaRPr lang="es-MX"/>
-          </a:p>
-        </p:txBody>
-      </p:sp>
-      <p:sp>
-        <p:nvSpPr>
-          <p:cNvPr id="3" name="Marcador de contenido 2"/>
-          <p:cNvSpPr>
-            <a:spLocks noGrp="1"/>
-          </p:cNvSpPr>
-          <p:nvPr>
-            <p:ph idx="1"/>
+          <a:bodyPr>
+            <a:normAutofit/>
+          </a:bodyPr>
+          <a:lstStyle/>
+          <a:p>
+            <a:r>
+              <a:rPr lang="en-US" dirty="0"/>
+              <a:t>Fourth Extended File System (ext4</a:t>
+            </a:r>
+            <a:r>
+              <a:rPr lang="en-US" dirty="0" smtClean="0"/>
+              <a:t>)</a:t>
+            </a:r>
+            <a:endParaRPr lang="es-MX" dirty="0"/>
+          </a:p>
+        </p:txBody>
+      </p:sp>
+      <p:sp>
+        <p:nvSpPr>
+          <p:cNvPr id="5" name="Marcador de texto 4"/>
+          <p:cNvSpPr>
+            <a:spLocks noGrp="1"/>
+          </p:cNvSpPr>
+          <p:nvPr>
+            <p:ph type="body" idx="1"/>
           </p:nvPr>
         </p:nvSpPr>
         <p:spPr/>
@@ -5507,6 +5535,957 @@
     <p:extLst>
       <p:ext uri="{BB962C8B-B14F-4D97-AF65-F5344CB8AC3E}">
         <p14:creationId xmlns:p14="http://schemas.microsoft.com/office/powerpoint/2010/main" val="2339311257"/>
+      </p:ext>
+    </p:extLst>
+  </p:cSld>
+  <p:clrMapOvr>
+    <a:masterClrMapping/>
+  </p:clrMapOvr>
+</p:sld>
+</file>
+
+<file path=ppt/slides/slide21.xml><?xml version="1.0" encoding="utf-8"?>
+<p:sld xmlns:a="http://schemas.openxmlformats.org/drawingml/2006/main" xmlns:r="http://schemas.openxmlformats.org/officeDocument/2006/relationships" xmlns:p="http://schemas.openxmlformats.org/presentationml/2006/main">
+  <p:cSld>
+    <p:spTree>
+      <p:nvGrpSpPr>
+        <p:cNvPr id="1" name=""/>
+        <p:cNvGrpSpPr/>
+        <p:nvPr/>
+      </p:nvGrpSpPr>
+      <p:grpSpPr>
+        <a:xfrm>
+          <a:off x="0" y="0"/>
+          <a:ext cx="0" cy="0"/>
+          <a:chOff x="0" y="0"/>
+          <a:chExt cx="0" cy="0"/>
+        </a:xfrm>
+      </p:grpSpPr>
+      <p:sp>
+        <p:nvSpPr>
+          <p:cNvPr id="4" name="Título 3"/>
+          <p:cNvSpPr>
+            <a:spLocks noGrp="1"/>
+          </p:cNvSpPr>
+          <p:nvPr>
+            <p:ph type="title"/>
+          </p:nvPr>
+        </p:nvSpPr>
+        <p:spPr/>
+        <p:txBody>
+          <a:bodyPr/>
+          <a:lstStyle/>
+          <a:p>
+            <a:r>
+              <a:rPr lang="es-MX" dirty="0" smtClean="0"/>
+              <a:t>Breve historia</a:t>
+            </a:r>
+            <a:endParaRPr lang="es-MX" dirty="0"/>
+          </a:p>
+        </p:txBody>
+      </p:sp>
+      <p:sp>
+        <p:nvSpPr>
+          <p:cNvPr id="5" name="Marcador de contenido 4"/>
+          <p:cNvSpPr>
+            <a:spLocks noGrp="1"/>
+          </p:cNvSpPr>
+          <p:nvPr>
+            <p:ph idx="1"/>
+          </p:nvPr>
+        </p:nvSpPr>
+        <p:spPr/>
+        <p:txBody>
+          <a:bodyPr>
+            <a:normAutofit lnSpcReduction="10000"/>
+          </a:bodyPr>
+          <a:lstStyle/>
+          <a:p>
+            <a:r>
+              <a:rPr lang="es-ES" dirty="0"/>
+              <a:t>Este sistema se desarrolló como el sucesor de ext3. </a:t>
+            </a:r>
+            <a:endParaRPr lang="es-ES" dirty="0" smtClean="0"/>
+          </a:p>
+          <a:p>
+            <a:r>
+              <a:rPr lang="es-ES" dirty="0" smtClean="0"/>
+              <a:t>Ext4 </a:t>
+            </a:r>
+            <a:r>
+              <a:rPr lang="es-ES" dirty="0"/>
+              <a:t>fue inicialmente una serie de extensiones </a:t>
+            </a:r>
+            <a:r>
+              <a:rPr lang="es-ES" dirty="0" err="1"/>
+              <a:t>retrocompatibles</a:t>
+            </a:r>
+            <a:r>
+              <a:rPr lang="es-ES" dirty="0"/>
+              <a:t> con ext3, muchos de ellos originalmente hechos por </a:t>
+            </a:r>
+            <a:r>
+              <a:rPr lang="es-ES" dirty="0" err="1"/>
+              <a:t>Cluuster</a:t>
+            </a:r>
+            <a:r>
+              <a:rPr lang="es-ES" dirty="0"/>
+              <a:t> File </a:t>
+            </a:r>
+            <a:r>
+              <a:rPr lang="es-ES" dirty="0" err="1"/>
+              <a:t>Systems</a:t>
+            </a:r>
+            <a:r>
+              <a:rPr lang="es-ES" dirty="0"/>
+              <a:t> para el sistema de archivos Lustre. </a:t>
+            </a:r>
+            <a:endParaRPr lang="es-ES" dirty="0" smtClean="0"/>
+          </a:p>
+          <a:p>
+            <a:r>
+              <a:rPr lang="es-ES" dirty="0" smtClean="0"/>
+              <a:t>Algunos </a:t>
+            </a:r>
+            <a:r>
+              <a:rPr lang="es-ES" dirty="0"/>
+              <a:t>desarrolladores propusieron bifurcar </a:t>
+            </a:r>
+            <a:r>
+              <a:rPr lang="es-ES" dirty="0" smtClean="0"/>
+              <a:t>ext3, renombrarlo ext4 </a:t>
+            </a:r>
+            <a:r>
+              <a:rPr lang="es-ES" dirty="0"/>
+              <a:t>y desarrollar todos los cambios ahí, esto con el fin de obtener mejor estabilidad. </a:t>
+            </a:r>
+            <a:endParaRPr lang="es-ES" dirty="0" smtClean="0"/>
+          </a:p>
+          <a:p>
+            <a:r>
+              <a:rPr lang="es-ES" dirty="0" smtClean="0"/>
+              <a:t>La </a:t>
+            </a:r>
+            <a:r>
+              <a:rPr lang="es-ES" dirty="0"/>
+              <a:t>propuesta fue aceptada y, el 26 de junio de 2006, Theodore </a:t>
+            </a:r>
+            <a:r>
+              <a:rPr lang="es-ES" dirty="0" err="1"/>
+              <a:t>Ts’o</a:t>
+            </a:r>
+            <a:r>
+              <a:rPr lang="es-ES" dirty="0"/>
+              <a:t> anunció el nuevo plan de desarrollo para ext4. </a:t>
+            </a:r>
+            <a:endParaRPr lang="es-ES" dirty="0" smtClean="0"/>
+          </a:p>
+          <a:p>
+            <a:r>
+              <a:rPr lang="es-ES" dirty="0" smtClean="0"/>
+              <a:t>El </a:t>
+            </a:r>
+            <a:r>
+              <a:rPr lang="es-ES" dirty="0"/>
+              <a:t>sistema de archivos ext4 fue lanzado el 25 de diciembre de 2008</a:t>
+            </a:r>
+            <a:r>
+              <a:rPr lang="es-ES" dirty="0" smtClean="0"/>
+              <a:t>.</a:t>
+            </a:r>
+            <a:endParaRPr lang="es-ES" dirty="0"/>
+          </a:p>
+          <a:p>
+            <a:r>
+              <a:rPr lang="es-ES" dirty="0"/>
+              <a:t>Este sistema de archivos principalmente mejora el rendimiento, la confiabilidad y la capacidad.</a:t>
+            </a:r>
+            <a:endParaRPr lang="es-MX" dirty="0"/>
+          </a:p>
+        </p:txBody>
+      </p:sp>
+    </p:spTree>
+    <p:extLst>
+      <p:ext uri="{BB962C8B-B14F-4D97-AF65-F5344CB8AC3E}">
+        <p14:creationId xmlns:p14="http://schemas.microsoft.com/office/powerpoint/2010/main" val="2536329759"/>
+      </p:ext>
+    </p:extLst>
+  </p:cSld>
+  <p:clrMapOvr>
+    <a:masterClrMapping/>
+  </p:clrMapOvr>
+</p:sld>
+</file>
+
+<file path=ppt/slides/slide22.xml><?xml version="1.0" encoding="utf-8"?>
+<p:sld xmlns:a="http://schemas.openxmlformats.org/drawingml/2006/main" xmlns:r="http://schemas.openxmlformats.org/officeDocument/2006/relationships" xmlns:p="http://schemas.openxmlformats.org/presentationml/2006/main">
+  <p:cSld>
+    <p:spTree>
+      <p:nvGrpSpPr>
+        <p:cNvPr id="1" name=""/>
+        <p:cNvGrpSpPr/>
+        <p:nvPr/>
+      </p:nvGrpSpPr>
+      <p:grpSpPr>
+        <a:xfrm>
+          <a:off x="0" y="0"/>
+          <a:ext cx="0" cy="0"/>
+          <a:chOff x="0" y="0"/>
+          <a:chExt cx="0" cy="0"/>
+        </a:xfrm>
+      </p:grpSpPr>
+      <p:sp>
+        <p:nvSpPr>
+          <p:cNvPr id="2" name="Título 1"/>
+          <p:cNvSpPr>
+            <a:spLocks noGrp="1"/>
+          </p:cNvSpPr>
+          <p:nvPr>
+            <p:ph type="title"/>
+          </p:nvPr>
+        </p:nvSpPr>
+        <p:spPr/>
+        <p:txBody>
+          <a:bodyPr/>
+          <a:lstStyle/>
+          <a:p>
+            <a:r>
+              <a:rPr lang="es-MX" dirty="0"/>
+              <a:t>Tamaños </a:t>
+            </a:r>
+            <a:r>
+              <a:rPr lang="es-MX" dirty="0" smtClean="0"/>
+              <a:t>máximos (32 bits)</a:t>
+            </a:r>
+            <a:endParaRPr lang="es-MX" dirty="0"/>
+          </a:p>
+        </p:txBody>
+      </p:sp>
+      <p:pic>
+        <p:nvPicPr>
+          <p:cNvPr id="4" name="Marcador de contenido 3"/>
+          <p:cNvPicPr>
+            <a:picLocks noGrp="1" noChangeAspect="1"/>
+          </p:cNvPicPr>
+          <p:nvPr>
+            <p:ph idx="1"/>
+          </p:nvPr>
+        </p:nvPicPr>
+        <p:blipFill>
+          <a:blip r:embed="rId2">
+            <a:extLst>
+              <a:ext uri="{28A0092B-C50C-407E-A947-70E740481C1C}">
+                <a14:useLocalDpi xmlns:a14="http://schemas.microsoft.com/office/drawing/2010/main" val="0"/>
+              </a:ext>
+            </a:extLst>
+          </a:blip>
+          <a:stretch>
+            <a:fillRect/>
+          </a:stretch>
+        </p:blipFill>
+        <p:spPr>
+          <a:xfrm>
+            <a:off x="754164" y="1980657"/>
+            <a:ext cx="10260000" cy="4399387"/>
+          </a:xfrm>
+        </p:spPr>
+      </p:pic>
+    </p:spTree>
+    <p:extLst>
+      <p:ext uri="{BB962C8B-B14F-4D97-AF65-F5344CB8AC3E}">
+        <p14:creationId xmlns:p14="http://schemas.microsoft.com/office/powerpoint/2010/main" val="1640349230"/>
+      </p:ext>
+    </p:extLst>
+  </p:cSld>
+  <p:clrMapOvr>
+    <a:masterClrMapping/>
+  </p:clrMapOvr>
+</p:sld>
+</file>
+
+<file path=ppt/slides/slide23.xml><?xml version="1.0" encoding="utf-8"?>
+<p:sld xmlns:a="http://schemas.openxmlformats.org/drawingml/2006/main" xmlns:r="http://schemas.openxmlformats.org/officeDocument/2006/relationships" xmlns:p="http://schemas.openxmlformats.org/presentationml/2006/main">
+  <p:cSld>
+    <p:spTree>
+      <p:nvGrpSpPr>
+        <p:cNvPr id="1" name=""/>
+        <p:cNvGrpSpPr/>
+        <p:nvPr/>
+      </p:nvGrpSpPr>
+      <p:grpSpPr>
+        <a:xfrm>
+          <a:off x="0" y="0"/>
+          <a:ext cx="0" cy="0"/>
+          <a:chOff x="0" y="0"/>
+          <a:chExt cx="0" cy="0"/>
+        </a:xfrm>
+      </p:grpSpPr>
+      <p:sp>
+        <p:nvSpPr>
+          <p:cNvPr id="2" name="Título 1"/>
+          <p:cNvSpPr>
+            <a:spLocks noGrp="1"/>
+          </p:cNvSpPr>
+          <p:nvPr>
+            <p:ph type="title"/>
+          </p:nvPr>
+        </p:nvSpPr>
+        <p:spPr/>
+        <p:txBody>
+          <a:bodyPr/>
+          <a:lstStyle/>
+          <a:p>
+            <a:r>
+              <a:rPr lang="es-MX" dirty="0"/>
+              <a:t>Tamaños máximos </a:t>
+            </a:r>
+            <a:r>
+              <a:rPr lang="es-MX" dirty="0" smtClean="0"/>
+              <a:t>(64 </a:t>
+            </a:r>
+            <a:r>
+              <a:rPr lang="es-MX" dirty="0"/>
+              <a:t>bits)</a:t>
+            </a:r>
+          </a:p>
+        </p:txBody>
+      </p:sp>
+      <p:pic>
+        <p:nvPicPr>
+          <p:cNvPr id="4" name="Marcador de contenido 3"/>
+          <p:cNvPicPr>
+            <a:picLocks noGrp="1" noChangeAspect="1"/>
+          </p:cNvPicPr>
+          <p:nvPr>
+            <p:ph idx="1"/>
+          </p:nvPr>
+        </p:nvPicPr>
+        <p:blipFill>
+          <a:blip r:embed="rId2">
+            <a:extLst>
+              <a:ext uri="{28A0092B-C50C-407E-A947-70E740481C1C}">
+                <a14:useLocalDpi xmlns:a14="http://schemas.microsoft.com/office/drawing/2010/main" val="0"/>
+              </a:ext>
+            </a:extLst>
+          </a:blip>
+          <a:stretch>
+            <a:fillRect/>
+          </a:stretch>
+        </p:blipFill>
+        <p:spPr>
+          <a:xfrm>
+            <a:off x="753672" y="2084832"/>
+            <a:ext cx="10260983" cy="4320000"/>
+          </a:xfrm>
+        </p:spPr>
+      </p:pic>
+    </p:spTree>
+    <p:extLst>
+      <p:ext uri="{BB962C8B-B14F-4D97-AF65-F5344CB8AC3E}">
+        <p14:creationId xmlns:p14="http://schemas.microsoft.com/office/powerpoint/2010/main" val="938343478"/>
+      </p:ext>
+    </p:extLst>
+  </p:cSld>
+  <p:clrMapOvr>
+    <a:masterClrMapping/>
+  </p:clrMapOvr>
+</p:sld>
+</file>
+
+<file path=ppt/slides/slide24.xml><?xml version="1.0" encoding="utf-8"?>
+<p:sld xmlns:a="http://schemas.openxmlformats.org/drawingml/2006/main" xmlns:r="http://schemas.openxmlformats.org/officeDocument/2006/relationships" xmlns:p="http://schemas.openxmlformats.org/presentationml/2006/main">
+  <p:cSld>
+    <p:spTree>
+      <p:nvGrpSpPr>
+        <p:cNvPr id="1" name=""/>
+        <p:cNvGrpSpPr/>
+        <p:nvPr/>
+      </p:nvGrpSpPr>
+      <p:grpSpPr>
+        <a:xfrm>
+          <a:off x="0" y="0"/>
+          <a:ext cx="0" cy="0"/>
+          <a:chOff x="0" y="0"/>
+          <a:chExt cx="0" cy="0"/>
+        </a:xfrm>
+      </p:grpSpPr>
+      <p:sp>
+        <p:nvSpPr>
+          <p:cNvPr id="2" name="Título 1"/>
+          <p:cNvSpPr>
+            <a:spLocks noGrp="1"/>
+          </p:cNvSpPr>
+          <p:nvPr>
+            <p:ph type="title"/>
+          </p:nvPr>
+        </p:nvSpPr>
+        <p:spPr/>
+        <p:txBody>
+          <a:bodyPr/>
+          <a:lstStyle/>
+          <a:p>
+            <a:r>
+              <a:rPr lang="es-MX" dirty="0"/>
+              <a:t>Características</a:t>
+            </a:r>
+          </a:p>
+        </p:txBody>
+      </p:sp>
+      <p:sp>
+        <p:nvSpPr>
+          <p:cNvPr id="3" name="Marcador de contenido 2"/>
+          <p:cNvSpPr>
+            <a:spLocks noGrp="1"/>
+          </p:cNvSpPr>
+          <p:nvPr>
+            <p:ph idx="1"/>
+          </p:nvPr>
+        </p:nvSpPr>
+        <p:spPr>
+          <a:xfrm>
+            <a:off x="1024128" y="1934361"/>
+            <a:ext cx="9720071" cy="4616910"/>
+          </a:xfrm>
+        </p:spPr>
+        <p:txBody>
+          <a:bodyPr/>
+          <a:lstStyle/>
+          <a:p>
+            <a:pPr marL="0" indent="0">
+              <a:buNone/>
+            </a:pPr>
+            <a:r>
+              <a:rPr lang="es-MX" sz="3200" dirty="0" err="1" smtClean="0">
+                <a:latin typeface="+mj-lt"/>
+              </a:rPr>
+              <a:t>Extents</a:t>
+            </a:r>
+            <a:endParaRPr lang="es-MX" sz="2800" dirty="0">
+              <a:latin typeface="+mj-lt"/>
+            </a:endParaRPr>
+          </a:p>
+          <a:p>
+            <a:r>
+              <a:rPr lang="es-ES" sz="2400" dirty="0"/>
+              <a:t>Los </a:t>
+            </a:r>
+            <a:r>
+              <a:rPr lang="es-ES" sz="2400" dirty="0" err="1"/>
+              <a:t>extents</a:t>
+            </a:r>
+            <a:r>
+              <a:rPr lang="es-ES" sz="2400" dirty="0"/>
+              <a:t> fueron introducidos para </a:t>
+            </a:r>
+            <a:r>
+              <a:rPr lang="es-ES" sz="2400" dirty="0" err="1"/>
+              <a:t>remplacar</a:t>
+            </a:r>
+            <a:r>
+              <a:rPr lang="es-ES" sz="2400" dirty="0"/>
+              <a:t> al esquema de bloques usado por los sistemas de archivos ext2 y ext3. </a:t>
+            </a:r>
+            <a:r>
+              <a:rPr lang="es-ES" sz="2400" dirty="0" smtClean="0"/>
+              <a:t>Un </a:t>
+            </a:r>
+            <a:r>
+              <a:rPr lang="es-ES" sz="2400" dirty="0" err="1"/>
+              <a:t>extent</a:t>
+            </a:r>
+            <a:r>
+              <a:rPr lang="es-ES" sz="2400" dirty="0"/>
+              <a:t> es un conjunto de bloques físicos contiguos. Esto mejora el rendimiento al trabajar con ficheros de gran tamaño y reduce la fragmentación. </a:t>
+            </a:r>
+            <a:br>
+              <a:rPr lang="es-ES" sz="2400" dirty="0"/>
+            </a:br>
+            <a:endParaRPr lang="es-MX" sz="2400" dirty="0" smtClean="0"/>
+          </a:p>
+          <a:p>
+            <a:r>
+              <a:rPr lang="es-ES" sz="3200" dirty="0">
+                <a:latin typeface="+mj-lt"/>
+              </a:rPr>
+              <a:t>Asignación persistente de espacio en el </a:t>
+            </a:r>
+            <a:r>
+              <a:rPr lang="es-ES" sz="3200" dirty="0" smtClean="0">
+                <a:latin typeface="+mj-lt"/>
+              </a:rPr>
+              <a:t>disco</a:t>
+            </a:r>
+          </a:p>
+          <a:p>
+            <a:r>
+              <a:rPr lang="es-ES" sz="2400" dirty="0"/>
+              <a:t>Esta función permite </a:t>
+            </a:r>
+            <a:r>
+              <a:rPr lang="es-ES" sz="2400" dirty="0" err="1"/>
+              <a:t>prealocar</a:t>
+            </a:r>
+            <a:r>
+              <a:rPr lang="es-ES" sz="2400" dirty="0"/>
+              <a:t> memoria en el disco, esto garantiza que el espacio reservado para un fichero estará disponible y, con mucha probabilidad, será contiguo.</a:t>
+            </a:r>
+          </a:p>
+          <a:p>
+            <a:endParaRPr lang="es-MX" sz="2400" dirty="0"/>
+          </a:p>
+        </p:txBody>
+      </p:sp>
+    </p:spTree>
+    <p:extLst>
+      <p:ext uri="{BB962C8B-B14F-4D97-AF65-F5344CB8AC3E}">
+        <p14:creationId xmlns:p14="http://schemas.microsoft.com/office/powerpoint/2010/main" val="4273801530"/>
+      </p:ext>
+    </p:extLst>
+  </p:cSld>
+  <p:clrMapOvr>
+    <a:masterClrMapping/>
+  </p:clrMapOvr>
+</p:sld>
+</file>
+
+<file path=ppt/slides/slide25.xml><?xml version="1.0" encoding="utf-8"?>
+<p:sld xmlns:a="http://schemas.openxmlformats.org/drawingml/2006/main" xmlns:r="http://schemas.openxmlformats.org/officeDocument/2006/relationships" xmlns:p="http://schemas.openxmlformats.org/presentationml/2006/main">
+  <p:cSld>
+    <p:spTree>
+      <p:nvGrpSpPr>
+        <p:cNvPr id="1" name=""/>
+        <p:cNvGrpSpPr/>
+        <p:nvPr/>
+      </p:nvGrpSpPr>
+      <p:grpSpPr>
+        <a:xfrm>
+          <a:off x="0" y="0"/>
+          <a:ext cx="0" cy="0"/>
+          <a:chOff x="0" y="0"/>
+          <a:chExt cx="0" cy="0"/>
+        </a:xfrm>
+      </p:grpSpPr>
+      <p:sp>
+        <p:nvSpPr>
+          <p:cNvPr id="3" name="Marcador de contenido 2"/>
+          <p:cNvSpPr>
+            <a:spLocks noGrp="1"/>
+          </p:cNvSpPr>
+          <p:nvPr>
+            <p:ph idx="4294967295"/>
+          </p:nvPr>
+        </p:nvSpPr>
+        <p:spPr>
+          <a:xfrm>
+            <a:off x="1041721" y="908612"/>
+            <a:ext cx="9720263" cy="4022725"/>
+          </a:xfrm>
+        </p:spPr>
+        <p:txBody>
+          <a:bodyPr/>
+          <a:lstStyle/>
+          <a:p>
+            <a:pPr marL="0" indent="0">
+              <a:buNone/>
+            </a:pPr>
+            <a:r>
+              <a:rPr lang="es-ES" sz="3200" spc="100" dirty="0" smtClean="0">
+                <a:solidFill>
+                  <a:srgbClr val="2E2B21">
+                    <a:lumMod val="90000"/>
+                    <a:lumOff val="10000"/>
+                  </a:srgbClr>
+                </a:solidFill>
+                <a:latin typeface="Tw Cen MT Condensed" panose="020B0606020104020203"/>
+                <a:ea typeface="+mj-ea"/>
+                <a:cs typeface="+mj-cs"/>
+              </a:rPr>
+              <a:t>Asignación retrasada de espacio en el disco</a:t>
+            </a:r>
+            <a:endParaRPr lang="es-ES" dirty="0" smtClean="0"/>
+          </a:p>
+          <a:p>
+            <a:r>
+              <a:rPr lang="es-ES" dirty="0" smtClean="0"/>
+              <a:t>Ext4 </a:t>
+            </a:r>
+            <a:r>
+              <a:rPr lang="es-ES" dirty="0"/>
+              <a:t>hace uso de una técnica de mejora de rendimiento llamada </a:t>
+            </a:r>
+            <a:r>
+              <a:rPr lang="es-ES" dirty="0" err="1"/>
+              <a:t>Allocate-on-flush</a:t>
+            </a:r>
+            <a:r>
+              <a:rPr lang="es-ES" dirty="0"/>
+              <a:t>, también conocida como reserva de memoria retrasada. </a:t>
+            </a:r>
+            <a:endParaRPr lang="es-ES" dirty="0" smtClean="0"/>
+          </a:p>
+          <a:p>
+            <a:r>
+              <a:rPr lang="es-ES" dirty="0" smtClean="0"/>
+              <a:t>Consiste </a:t>
+            </a:r>
+            <a:r>
+              <a:rPr lang="es-ES" dirty="0"/>
+              <a:t>en retrasar la reserva de bloques de memoria hasta que la información esté a punto de ser escrita en el disco, a diferencia de otros sistemas de archivos, los cuales reservan los bloques necesarios antes de ese paso. </a:t>
+            </a:r>
+            <a:endParaRPr lang="es-ES" dirty="0" smtClean="0"/>
+          </a:p>
+          <a:p>
+            <a:r>
+              <a:rPr lang="es-ES" dirty="0" smtClean="0"/>
+              <a:t>Esto </a:t>
+            </a:r>
+            <a:r>
+              <a:rPr lang="es-ES" dirty="0"/>
+              <a:t>mejora el rendimiento y reduce la fragmentación al mejorar las decisiones de reserva de memoria basada en el tamaño real del fichero, pero aumenta el riesgo de pérdida de datos en sistemas </a:t>
+            </a:r>
+            <a:r>
+              <a:rPr lang="es-ES" dirty="0" smtClean="0"/>
+              <a:t>antiguos.</a:t>
+            </a:r>
+            <a:endParaRPr lang="es-MX" dirty="0"/>
+          </a:p>
+        </p:txBody>
+      </p:sp>
+    </p:spTree>
+    <p:extLst>
+      <p:ext uri="{BB962C8B-B14F-4D97-AF65-F5344CB8AC3E}">
+        <p14:creationId xmlns:p14="http://schemas.microsoft.com/office/powerpoint/2010/main" val="669885055"/>
+      </p:ext>
+    </p:extLst>
+  </p:cSld>
+  <p:clrMapOvr>
+    <a:masterClrMapping/>
+  </p:clrMapOvr>
+</p:sld>
+</file>
+
+<file path=ppt/slides/slide26.xml><?xml version="1.0" encoding="utf-8"?>
+<p:sld xmlns:a="http://schemas.openxmlformats.org/drawingml/2006/main" xmlns:r="http://schemas.openxmlformats.org/officeDocument/2006/relationships" xmlns:p="http://schemas.openxmlformats.org/presentationml/2006/main">
+  <p:cSld>
+    <p:spTree>
+      <p:nvGrpSpPr>
+        <p:cNvPr id="1" name=""/>
+        <p:cNvGrpSpPr/>
+        <p:nvPr/>
+      </p:nvGrpSpPr>
+      <p:grpSpPr>
+        <a:xfrm>
+          <a:off x="0" y="0"/>
+          <a:ext cx="0" cy="0"/>
+          <a:chOff x="0" y="0"/>
+          <a:chExt cx="0" cy="0"/>
+        </a:xfrm>
+      </p:grpSpPr>
+      <p:sp>
+        <p:nvSpPr>
+          <p:cNvPr id="3" name="Marcador de contenido 2"/>
+          <p:cNvSpPr>
+            <a:spLocks noGrp="1"/>
+          </p:cNvSpPr>
+          <p:nvPr>
+            <p:ph idx="4294967295"/>
+          </p:nvPr>
+        </p:nvSpPr>
+        <p:spPr>
+          <a:xfrm>
+            <a:off x="1041721" y="1371600"/>
+            <a:ext cx="9720263" cy="4022725"/>
+          </a:xfrm>
+        </p:spPr>
+        <p:txBody>
+          <a:bodyPr/>
+          <a:lstStyle/>
+          <a:p>
+            <a:pPr marL="0" indent="0">
+              <a:buNone/>
+            </a:pPr>
+            <a:r>
+              <a:rPr lang="es-ES" sz="3200" spc="100" dirty="0" err="1">
+                <a:solidFill>
+                  <a:srgbClr val="2E2B21">
+                    <a:lumMod val="90000"/>
+                    <a:lumOff val="10000"/>
+                  </a:srgbClr>
+                </a:solidFill>
+                <a:latin typeface="Tw Cen MT Condensed" panose="020B0606020104020203"/>
+                <a:ea typeface="+mj-ea"/>
+                <a:cs typeface="+mj-cs"/>
+              </a:rPr>
+              <a:t>Checksum</a:t>
+            </a:r>
+            <a:r>
+              <a:rPr lang="es-ES" sz="3200" spc="100" dirty="0">
+                <a:solidFill>
+                  <a:srgbClr val="2E2B21">
+                    <a:lumMod val="90000"/>
+                    <a:lumOff val="10000"/>
+                  </a:srgbClr>
+                </a:solidFill>
+                <a:latin typeface="Tw Cen MT Condensed" panose="020B0606020104020203"/>
+                <a:ea typeface="+mj-ea"/>
+                <a:cs typeface="+mj-cs"/>
+              </a:rPr>
+              <a:t> en el </a:t>
+            </a:r>
+            <a:r>
+              <a:rPr lang="es-ES" sz="3200" spc="100" dirty="0" err="1" smtClean="0">
+                <a:solidFill>
+                  <a:srgbClr val="2E2B21">
+                    <a:lumMod val="90000"/>
+                    <a:lumOff val="10000"/>
+                  </a:srgbClr>
+                </a:solidFill>
+                <a:latin typeface="Tw Cen MT Condensed" panose="020B0606020104020203"/>
+                <a:ea typeface="+mj-ea"/>
+                <a:cs typeface="+mj-cs"/>
+              </a:rPr>
+              <a:t>journal</a:t>
+            </a:r>
+            <a:endParaRPr lang="es-ES" sz="3200" spc="100" dirty="0" smtClean="0">
+              <a:solidFill>
+                <a:srgbClr val="2E2B21">
+                  <a:lumMod val="90000"/>
+                  <a:lumOff val="10000"/>
+                </a:srgbClr>
+              </a:solidFill>
+              <a:latin typeface="Tw Cen MT Condensed" panose="020B0606020104020203"/>
+              <a:ea typeface="+mj-ea"/>
+              <a:cs typeface="+mj-cs"/>
+            </a:endParaRPr>
+          </a:p>
+          <a:p>
+            <a:r>
+              <a:rPr lang="es-ES" dirty="0"/>
+              <a:t>Tener </a:t>
+            </a:r>
+            <a:r>
+              <a:rPr lang="es-ES" dirty="0" err="1"/>
+              <a:t>checksums</a:t>
+            </a:r>
+            <a:r>
+              <a:rPr lang="es-ES" dirty="0"/>
+              <a:t> en el </a:t>
+            </a:r>
+            <a:r>
+              <a:rPr lang="es-ES" dirty="0" err="1"/>
+              <a:t>journal</a:t>
+            </a:r>
+            <a:r>
+              <a:rPr lang="es-ES" dirty="0"/>
+              <a:t> permite al sistema de archivos darse cuenta de que algunas de sus entradas no son válidas o están fuera de orden en el primer montaje después de un </a:t>
+            </a:r>
+            <a:r>
+              <a:rPr lang="es-ES" dirty="0" err="1"/>
+              <a:t>crasheo</a:t>
+            </a:r>
+            <a:r>
+              <a:rPr lang="es-ES" dirty="0"/>
+              <a:t>. </a:t>
+            </a:r>
+            <a:endParaRPr lang="es-ES" dirty="0" smtClean="0"/>
+          </a:p>
+          <a:p>
+            <a:r>
+              <a:rPr lang="es-ES" dirty="0" smtClean="0"/>
+              <a:t>Esto </a:t>
+            </a:r>
+            <a:r>
+              <a:rPr lang="es-ES" dirty="0"/>
+              <a:t>evita el error de deshacer entradas de diario parciales o fuera de orden y dañar aún más el sistema de archivos</a:t>
+            </a:r>
+            <a:r>
+              <a:rPr lang="es-ES" dirty="0" smtClean="0"/>
+              <a:t>.</a:t>
+            </a:r>
+            <a:br>
+              <a:rPr lang="es-ES" dirty="0" smtClean="0"/>
+            </a:br>
+            <a:endParaRPr lang="es-ES" dirty="0" smtClean="0"/>
+          </a:p>
+          <a:p>
+            <a:pPr marL="0" indent="0">
+              <a:buNone/>
+            </a:pPr>
+            <a:r>
+              <a:rPr lang="es-ES" sz="3200" dirty="0" smtClean="0">
+                <a:latin typeface="+mj-lt"/>
+              </a:rPr>
+              <a:t>Desfragmentación en línea</a:t>
+            </a:r>
+            <a:endParaRPr lang="es-ES" dirty="0">
+              <a:latin typeface="+mj-lt"/>
+            </a:endParaRPr>
+          </a:p>
+          <a:p>
+            <a:r>
+              <a:rPr lang="es-ES" dirty="0"/>
+              <a:t>Esta característica permite desfragmentar la unidad mientras esta esté montada.</a:t>
+            </a:r>
+            <a:endParaRPr lang="es-MX" dirty="0"/>
+          </a:p>
+        </p:txBody>
+      </p:sp>
+    </p:spTree>
+    <p:extLst>
+      <p:ext uri="{BB962C8B-B14F-4D97-AF65-F5344CB8AC3E}">
+        <p14:creationId xmlns:p14="http://schemas.microsoft.com/office/powerpoint/2010/main" val="4059607223"/>
+      </p:ext>
+    </p:extLst>
+  </p:cSld>
+  <p:clrMapOvr>
+    <a:masterClrMapping/>
+  </p:clrMapOvr>
+</p:sld>
+</file>
+
+<file path=ppt/slides/slide27.xml><?xml version="1.0" encoding="utf-8"?>
+<p:sld xmlns:a="http://schemas.openxmlformats.org/drawingml/2006/main" xmlns:r="http://schemas.openxmlformats.org/officeDocument/2006/relationships" xmlns:p="http://schemas.openxmlformats.org/presentationml/2006/main">
+  <p:cSld>
+    <p:spTree>
+      <p:nvGrpSpPr>
+        <p:cNvPr id="1" name=""/>
+        <p:cNvGrpSpPr/>
+        <p:nvPr/>
+      </p:nvGrpSpPr>
+      <p:grpSpPr>
+        <a:xfrm>
+          <a:off x="0" y="0"/>
+          <a:ext cx="0" cy="0"/>
+          <a:chOff x="0" y="0"/>
+          <a:chExt cx="0" cy="0"/>
+        </a:xfrm>
+      </p:grpSpPr>
+      <p:sp>
+        <p:nvSpPr>
+          <p:cNvPr id="3" name="Marcador de contenido 2"/>
+          <p:cNvSpPr>
+            <a:spLocks noGrp="1"/>
+          </p:cNvSpPr>
+          <p:nvPr>
+            <p:ph idx="4294967295"/>
+          </p:nvPr>
+        </p:nvSpPr>
+        <p:spPr>
+          <a:xfrm>
+            <a:off x="1041721" y="1006997"/>
+            <a:ext cx="9720263" cy="5521125"/>
+          </a:xfrm>
+        </p:spPr>
+        <p:txBody>
+          <a:bodyPr>
+            <a:normAutofit/>
+          </a:bodyPr>
+          <a:lstStyle/>
+          <a:p>
+            <a:pPr marL="0" indent="0">
+              <a:buNone/>
+            </a:pPr>
+            <a:r>
+              <a:rPr lang="es-ES" sz="3200" spc="100" dirty="0">
+                <a:solidFill>
+                  <a:srgbClr val="2E2B21">
+                    <a:lumMod val="90000"/>
+                    <a:lumOff val="10000"/>
+                  </a:srgbClr>
+                </a:solidFill>
+                <a:latin typeface="Tw Cen MT Condensed" panose="020B0606020104020203"/>
+                <a:ea typeface="+mj-ea"/>
+                <a:cs typeface="+mj-cs"/>
+              </a:rPr>
+              <a:t>Comprobación del sistema de ficheros más </a:t>
+            </a:r>
+            <a:r>
+              <a:rPr lang="es-ES" sz="3200" spc="100" dirty="0" smtClean="0">
+                <a:solidFill>
+                  <a:srgbClr val="2E2B21">
+                    <a:lumMod val="90000"/>
+                    <a:lumOff val="10000"/>
+                  </a:srgbClr>
+                </a:solidFill>
+                <a:latin typeface="Tw Cen MT Condensed" panose="020B0606020104020203"/>
+                <a:ea typeface="+mj-ea"/>
+                <a:cs typeface="+mj-cs"/>
+              </a:rPr>
+              <a:t>rápido</a:t>
+            </a:r>
+          </a:p>
+          <a:p>
+            <a:r>
+              <a:rPr lang="es-ES" dirty="0" smtClean="0"/>
+              <a:t>En </a:t>
+            </a:r>
+            <a:r>
+              <a:rPr lang="es-ES" dirty="0"/>
+              <a:t>ext4, los grupos de bloques no asignados y secciones de la tabla de </a:t>
+            </a:r>
+            <a:r>
+              <a:rPr lang="es-ES" dirty="0" err="1"/>
+              <a:t>inodos</a:t>
+            </a:r>
+            <a:r>
+              <a:rPr lang="es-ES" dirty="0"/>
+              <a:t> están marcados como tales. </a:t>
+            </a:r>
+            <a:endParaRPr lang="es-ES" dirty="0" smtClean="0"/>
+          </a:p>
+          <a:p>
+            <a:r>
+              <a:rPr lang="es-ES" dirty="0" smtClean="0"/>
+              <a:t>Esto </a:t>
+            </a:r>
+            <a:r>
+              <a:rPr lang="es-ES" dirty="0"/>
+              <a:t>permite a e2fsck (la herramienta para comprobar errores en ext2) saltárselos completamente en las comprobaciones y en gran medida reduce el tiempo requerido para comprobar un sistema de archivos del tamaño para el que ext4 está preparado.</a:t>
+            </a:r>
+            <a:br>
+              <a:rPr lang="es-ES" dirty="0"/>
+            </a:br>
+            <a:endParaRPr lang="es-ES" dirty="0"/>
+          </a:p>
+          <a:p>
+            <a:pPr marL="0" indent="0">
+              <a:buNone/>
+            </a:pPr>
+            <a:r>
+              <a:rPr lang="es-ES" sz="3200" dirty="0" err="1">
+                <a:latin typeface="+mj-lt"/>
+              </a:rPr>
+              <a:t>Asignador</a:t>
+            </a:r>
+            <a:r>
+              <a:rPr lang="es-ES" sz="3200" dirty="0">
+                <a:latin typeface="+mj-lt"/>
+              </a:rPr>
+              <a:t> </a:t>
+            </a:r>
+            <a:r>
+              <a:rPr lang="es-ES" sz="3200" dirty="0" err="1" smtClean="0">
+                <a:latin typeface="+mj-lt"/>
+              </a:rPr>
+              <a:t>multibloque</a:t>
+            </a:r>
+            <a:endParaRPr lang="es-ES" sz="3200" dirty="0" smtClean="0">
+              <a:latin typeface="+mj-lt"/>
+            </a:endParaRPr>
+          </a:p>
+          <a:p>
+            <a:r>
+              <a:rPr lang="es-ES" dirty="0"/>
+              <a:t>Ext4 asigna múltiples bloques para un fichero en una sola operación, lo cual reduce la fragmentación al intentar elegir bloques contiguos en el disco.</a:t>
+            </a:r>
+            <a:endParaRPr lang="es-MX" dirty="0"/>
+          </a:p>
+        </p:txBody>
+      </p:sp>
+    </p:spTree>
+    <p:extLst>
+      <p:ext uri="{BB962C8B-B14F-4D97-AF65-F5344CB8AC3E}">
+        <p14:creationId xmlns:p14="http://schemas.microsoft.com/office/powerpoint/2010/main" val="2828965776"/>
       </p:ext>
     </p:extLst>
   </p:cSld>

--- a/exposiciones/GonzálezAndrés/Extended.pptx
+++ b/exposiciones/GonzálezAndrés/Extended.pptx
@@ -32,6 +32,9 @@
     <p:sldId id="281" r:id="rId26"/>
     <p:sldId id="283" r:id="rId27"/>
     <p:sldId id="284" r:id="rId28"/>
+    <p:sldId id="285" r:id="rId29"/>
+    <p:sldId id="287" r:id="rId30"/>
+    <p:sldId id="286" r:id="rId31"/>
   </p:sldIdLst>
   <p:sldSz cx="12192000" cy="6858000"/>
   <p:notesSz cx="6858000" cy="9144000"/>
@@ -178,6 +181,13 @@
             <p14:sldId id="281"/>
             <p14:sldId id="283"/>
             <p14:sldId id="284"/>
+            <p14:sldId id="285"/>
+          </p14:sldIdLst>
+        </p14:section>
+        <p14:section name="Fin" id="{7B46989E-8C36-482D-91FB-4B31B06AA886}">
+          <p14:sldIdLst>
+            <p14:sldId id="287"/>
+            <p14:sldId id="286"/>
           </p14:sldIdLst>
         </p14:section>
       </p14:sectionLst>
@@ -6495,6 +6505,452 @@
 </p:sld>
 </file>
 
+<file path=ppt/slides/slide28.xml><?xml version="1.0" encoding="utf-8"?>
+<p:sld xmlns:a="http://schemas.openxmlformats.org/drawingml/2006/main" xmlns:r="http://schemas.openxmlformats.org/officeDocument/2006/relationships" xmlns:p="http://schemas.openxmlformats.org/presentationml/2006/main">
+  <p:cSld>
+    <p:spTree>
+      <p:nvGrpSpPr>
+        <p:cNvPr id="1" name=""/>
+        <p:cNvGrpSpPr/>
+        <p:nvPr/>
+      </p:nvGrpSpPr>
+      <p:grpSpPr>
+        <a:xfrm>
+          <a:off x="0" y="0"/>
+          <a:ext cx="0" cy="0"/>
+          <a:chOff x="0" y="0"/>
+          <a:chExt cx="0" cy="0"/>
+        </a:xfrm>
+      </p:grpSpPr>
+      <p:sp>
+        <p:nvSpPr>
+          <p:cNvPr id="2" name="Marcador de contenido 2"/>
+          <p:cNvSpPr txBox="1">
+            <a:spLocks/>
+          </p:cNvSpPr>
+          <p:nvPr/>
+        </p:nvSpPr>
+        <p:spPr>
+          <a:xfrm>
+            <a:off x="1041721" y="1006997"/>
+            <a:ext cx="9720263" cy="5521125"/>
+          </a:xfrm>
+          <a:prstGeom prst="rect">
+            <a:avLst/>
+          </a:prstGeom>
+        </p:spPr>
+        <p:txBody>
+          <a:bodyPr vert="horz" lIns="45720" tIns="45720" rIns="45720" bIns="45720" rtlCol="0">
+            <a:normAutofit/>
+          </a:bodyPr>
+          <a:lstStyle>
+            <a:lvl1pPr marL="91440" indent="-91440" algn="l" defTabSz="914400" rtl="0" eaLnBrk="1" latinLnBrk="0" hangingPunct="1">
+              <a:lnSpc>
+                <a:spcPct val="90000"/>
+              </a:lnSpc>
+              <a:spcBef>
+                <a:spcPts val="1200"/>
+              </a:spcBef>
+              <a:spcAft>
+                <a:spcPts val="200"/>
+              </a:spcAft>
+              <a:buClr>
+                <a:schemeClr val="accent2"/>
+              </a:buClr>
+              <a:buSzPct val="100000"/>
+              <a:buFont typeface="Tw Cen MT" panose="020B0602020104020603" pitchFamily="34" charset="0"/>
+              <a:buChar char=" "/>
+              <a:defRPr sz="2200" kern="1200">
+                <a:solidFill>
+                  <a:schemeClr val="tx1"/>
+                </a:solidFill>
+                <a:latin typeface="+mn-lt"/>
+                <a:ea typeface="+mn-ea"/>
+                <a:cs typeface="+mn-cs"/>
+              </a:defRPr>
+            </a:lvl1pPr>
+            <a:lvl2pPr marL="265176" indent="-137160" algn="l" defTabSz="914400" rtl="0" eaLnBrk="1" latinLnBrk="0" hangingPunct="1">
+              <a:lnSpc>
+                <a:spcPct val="90000"/>
+              </a:lnSpc>
+              <a:spcBef>
+                <a:spcPts val="200"/>
+              </a:spcBef>
+              <a:spcAft>
+                <a:spcPts val="400"/>
+              </a:spcAft>
+              <a:buClr>
+                <a:schemeClr val="accent2"/>
+              </a:buClr>
+              <a:buFont typeface="Wingdings 3" pitchFamily="18" charset="2"/>
+              <a:buChar char=""/>
+              <a:defRPr sz="1800" kern="1200">
+                <a:solidFill>
+                  <a:schemeClr val="tx1"/>
+                </a:solidFill>
+                <a:latin typeface="+mn-lt"/>
+                <a:ea typeface="+mn-ea"/>
+                <a:cs typeface="+mn-cs"/>
+              </a:defRPr>
+            </a:lvl2pPr>
+            <a:lvl3pPr marL="448056" indent="-137160" algn="l" defTabSz="914400" rtl="0" eaLnBrk="1" latinLnBrk="0" hangingPunct="1">
+              <a:lnSpc>
+                <a:spcPct val="90000"/>
+              </a:lnSpc>
+              <a:spcBef>
+                <a:spcPts val="200"/>
+              </a:spcBef>
+              <a:spcAft>
+                <a:spcPts val="400"/>
+              </a:spcAft>
+              <a:buClr>
+                <a:schemeClr val="accent2"/>
+              </a:buClr>
+              <a:buFont typeface="Wingdings 3" pitchFamily="18" charset="2"/>
+              <a:buChar char=""/>
+              <a:defRPr sz="1400" kern="1200">
+                <a:solidFill>
+                  <a:schemeClr val="tx1"/>
+                </a:solidFill>
+                <a:latin typeface="+mn-lt"/>
+                <a:ea typeface="+mn-ea"/>
+                <a:cs typeface="+mn-cs"/>
+              </a:defRPr>
+            </a:lvl3pPr>
+            <a:lvl4pPr marL="594360" indent="-137160" algn="l" defTabSz="914400" rtl="0" eaLnBrk="1" latinLnBrk="0" hangingPunct="1">
+              <a:lnSpc>
+                <a:spcPct val="90000"/>
+              </a:lnSpc>
+              <a:spcBef>
+                <a:spcPts val="200"/>
+              </a:spcBef>
+              <a:spcAft>
+                <a:spcPts val="400"/>
+              </a:spcAft>
+              <a:buClr>
+                <a:schemeClr val="accent2"/>
+              </a:buClr>
+              <a:buFont typeface="Wingdings 3" pitchFamily="18" charset="2"/>
+              <a:buChar char=""/>
+              <a:defRPr sz="1400" kern="1200">
+                <a:solidFill>
+                  <a:schemeClr val="tx1"/>
+                </a:solidFill>
+                <a:latin typeface="+mn-lt"/>
+                <a:ea typeface="+mn-ea"/>
+                <a:cs typeface="+mn-cs"/>
+              </a:defRPr>
+            </a:lvl4pPr>
+            <a:lvl5pPr marL="777240" indent="-137160" algn="l" defTabSz="914400" rtl="0" eaLnBrk="1" latinLnBrk="0" hangingPunct="1">
+              <a:lnSpc>
+                <a:spcPct val="90000"/>
+              </a:lnSpc>
+              <a:spcBef>
+                <a:spcPts val="200"/>
+              </a:spcBef>
+              <a:spcAft>
+                <a:spcPts val="400"/>
+              </a:spcAft>
+              <a:buClr>
+                <a:schemeClr val="accent2"/>
+              </a:buClr>
+              <a:buFont typeface="Wingdings 3" pitchFamily="18" charset="2"/>
+              <a:buChar char=""/>
+              <a:defRPr sz="1400" kern="1200">
+                <a:solidFill>
+                  <a:schemeClr val="tx1"/>
+                </a:solidFill>
+                <a:latin typeface="+mn-lt"/>
+                <a:ea typeface="+mn-ea"/>
+                <a:cs typeface="+mn-cs"/>
+              </a:defRPr>
+            </a:lvl5pPr>
+            <a:lvl6pPr marL="914400" indent="-137160" algn="l" defTabSz="914400" rtl="0" eaLnBrk="1" latinLnBrk="0" hangingPunct="1">
+              <a:lnSpc>
+                <a:spcPct val="90000"/>
+              </a:lnSpc>
+              <a:spcBef>
+                <a:spcPts val="200"/>
+              </a:spcBef>
+              <a:spcAft>
+                <a:spcPts val="400"/>
+              </a:spcAft>
+              <a:buClr>
+                <a:schemeClr val="accent2"/>
+              </a:buClr>
+              <a:buFont typeface="Wingdings 3" pitchFamily="18" charset="2"/>
+              <a:buChar char=""/>
+              <a:defRPr sz="1400" kern="1200">
+                <a:solidFill>
+                  <a:schemeClr val="tx1"/>
+                </a:solidFill>
+                <a:latin typeface="+mn-lt"/>
+                <a:ea typeface="+mn-ea"/>
+                <a:cs typeface="+mn-cs"/>
+              </a:defRPr>
+            </a:lvl6pPr>
+            <a:lvl7pPr marL="1060704" indent="-137160" algn="l" defTabSz="914400" rtl="0" eaLnBrk="1" latinLnBrk="0" hangingPunct="1">
+              <a:lnSpc>
+                <a:spcPct val="90000"/>
+              </a:lnSpc>
+              <a:spcBef>
+                <a:spcPts val="200"/>
+              </a:spcBef>
+              <a:spcAft>
+                <a:spcPts val="400"/>
+              </a:spcAft>
+              <a:buClr>
+                <a:schemeClr val="accent2"/>
+              </a:buClr>
+              <a:buFont typeface="Wingdings 3" pitchFamily="18" charset="2"/>
+              <a:buChar char=""/>
+              <a:defRPr sz="1400" kern="1200">
+                <a:solidFill>
+                  <a:schemeClr val="tx1"/>
+                </a:solidFill>
+                <a:latin typeface="+mn-lt"/>
+                <a:ea typeface="+mn-ea"/>
+                <a:cs typeface="+mn-cs"/>
+              </a:defRPr>
+            </a:lvl7pPr>
+            <a:lvl8pPr marL="1216152" indent="-137160" algn="l" defTabSz="914400" rtl="0" eaLnBrk="1" latinLnBrk="0" hangingPunct="1">
+              <a:lnSpc>
+                <a:spcPct val="90000"/>
+              </a:lnSpc>
+              <a:spcBef>
+                <a:spcPts val="200"/>
+              </a:spcBef>
+              <a:spcAft>
+                <a:spcPts val="400"/>
+              </a:spcAft>
+              <a:buClr>
+                <a:schemeClr val="accent2"/>
+              </a:buClr>
+              <a:buFont typeface="Wingdings 3" pitchFamily="18" charset="2"/>
+              <a:buChar char=""/>
+              <a:defRPr sz="1400" kern="1200">
+                <a:solidFill>
+                  <a:schemeClr val="tx1"/>
+                </a:solidFill>
+                <a:latin typeface="+mn-lt"/>
+                <a:ea typeface="+mn-ea"/>
+                <a:cs typeface="+mn-cs"/>
+              </a:defRPr>
+            </a:lvl8pPr>
+            <a:lvl9pPr marL="1362456" indent="-137160" algn="l" defTabSz="914400" rtl="0" eaLnBrk="1" latinLnBrk="0" hangingPunct="1">
+              <a:lnSpc>
+                <a:spcPct val="90000"/>
+              </a:lnSpc>
+              <a:spcBef>
+                <a:spcPts val="200"/>
+              </a:spcBef>
+              <a:spcAft>
+                <a:spcPts val="400"/>
+              </a:spcAft>
+              <a:buClr>
+                <a:schemeClr val="accent2"/>
+              </a:buClr>
+              <a:buFont typeface="Wingdings 3" pitchFamily="18" charset="2"/>
+              <a:buChar char=""/>
+              <a:defRPr sz="1400" kern="1200">
+                <a:solidFill>
+                  <a:schemeClr val="tx1"/>
+                </a:solidFill>
+                <a:latin typeface="+mn-lt"/>
+                <a:ea typeface="+mn-ea"/>
+                <a:cs typeface="+mn-cs"/>
+              </a:defRPr>
+            </a:lvl9pPr>
+          </a:lstStyle>
+          <a:p>
+            <a:pPr marL="0" indent="0">
+              <a:buNone/>
+            </a:pPr>
+            <a:r>
+              <a:rPr lang="es-ES" sz="3200" spc="100" dirty="0" err="1">
+                <a:solidFill>
+                  <a:srgbClr val="2E2B21">
+                    <a:lumMod val="90000"/>
+                    <a:lumOff val="10000"/>
+                  </a:srgbClr>
+                </a:solidFill>
+                <a:latin typeface="Tw Cen MT Condensed" panose="020B0606020104020203"/>
+                <a:ea typeface="+mj-ea"/>
+                <a:cs typeface="+mj-cs"/>
+              </a:rPr>
+              <a:t>Timestamps</a:t>
+            </a:r>
+            <a:r>
+              <a:rPr lang="es-ES" sz="3200" spc="100" dirty="0">
+                <a:solidFill>
+                  <a:srgbClr val="2E2B21">
+                    <a:lumMod val="90000"/>
+                    <a:lumOff val="10000"/>
+                  </a:srgbClr>
+                </a:solidFill>
+                <a:latin typeface="Tw Cen MT Condensed" panose="020B0606020104020203"/>
+                <a:ea typeface="+mj-ea"/>
+                <a:cs typeface="+mj-cs"/>
+              </a:rPr>
+              <a:t> </a:t>
+            </a:r>
+            <a:r>
+              <a:rPr lang="es-ES" sz="3200" spc="100" dirty="0" smtClean="0">
+                <a:solidFill>
+                  <a:srgbClr val="2E2B21">
+                    <a:lumMod val="90000"/>
+                    <a:lumOff val="10000"/>
+                  </a:srgbClr>
+                </a:solidFill>
+                <a:latin typeface="Tw Cen MT Condensed" panose="020B0606020104020203"/>
+                <a:ea typeface="+mj-ea"/>
+                <a:cs typeface="+mj-cs"/>
+              </a:rPr>
+              <a:t>mejorados</a:t>
+            </a:r>
+          </a:p>
+          <a:p>
+            <a:r>
+              <a:rPr lang="es-ES" dirty="0" smtClean="0"/>
+              <a:t>Ext3 ofrece marcas de tiempo granulares en segundos.</a:t>
+            </a:r>
+          </a:p>
+          <a:p>
+            <a:r>
+              <a:rPr lang="es-ES" dirty="0" smtClean="0"/>
+              <a:t>Ext4 ofrece marcas </a:t>
+            </a:r>
+            <a:r>
+              <a:rPr lang="es-ES" dirty="0"/>
+              <a:t>de tiempo </a:t>
+            </a:r>
+            <a:r>
+              <a:rPr lang="es-ES" dirty="0" smtClean="0"/>
+              <a:t>en el orden de los </a:t>
+            </a:r>
+            <a:r>
+              <a:rPr lang="es-ES" dirty="0"/>
+              <a:t>los nanosegundos</a:t>
+            </a:r>
+            <a:r>
+              <a:rPr lang="es-ES" dirty="0" smtClean="0"/>
+              <a:t>.</a:t>
+            </a:r>
+            <a:endParaRPr lang="es-ES" dirty="0"/>
+          </a:p>
+          <a:p>
+            <a:r>
+              <a:rPr lang="es-ES" dirty="0"/>
+              <a:t>Los sistemas de archivos Ext3 </a:t>
+            </a:r>
+            <a:r>
+              <a:rPr lang="es-ES" dirty="0" smtClean="0"/>
+              <a:t>no proporcionaron </a:t>
+            </a:r>
+            <a:r>
+              <a:rPr lang="es-ES" dirty="0"/>
+              <a:t>suficientes bits para almacenar fechas posteriores al 18 de enero de 2038. </a:t>
+            </a:r>
+            <a:endParaRPr lang="es-ES" dirty="0" smtClean="0"/>
+          </a:p>
+          <a:p>
+            <a:r>
+              <a:rPr lang="es-ES" dirty="0" smtClean="0"/>
+              <a:t>Ext4 </a:t>
+            </a:r>
+            <a:r>
+              <a:rPr lang="es-ES" dirty="0"/>
+              <a:t>agrega dos bits adicionales aquí, extendiendo la época de Unix otros 408 años. </a:t>
+            </a:r>
+            <a:endParaRPr lang="es-MX" dirty="0"/>
+          </a:p>
+        </p:txBody>
+      </p:sp>
+    </p:spTree>
+    <p:extLst>
+      <p:ext uri="{BB962C8B-B14F-4D97-AF65-F5344CB8AC3E}">
+        <p14:creationId xmlns:p14="http://schemas.microsoft.com/office/powerpoint/2010/main" val="4274572371"/>
+      </p:ext>
+    </p:extLst>
+  </p:cSld>
+  <p:clrMapOvr>
+    <a:masterClrMapping/>
+  </p:clrMapOvr>
+</p:sld>
+</file>
+
+<file path=ppt/slides/slide29.xml><?xml version="1.0" encoding="utf-8"?>
+<p:sld xmlns:a="http://schemas.openxmlformats.org/drawingml/2006/main" xmlns:r="http://schemas.openxmlformats.org/officeDocument/2006/relationships" xmlns:p="http://schemas.openxmlformats.org/presentationml/2006/main">
+  <p:cSld>
+    <p:spTree>
+      <p:nvGrpSpPr>
+        <p:cNvPr id="1" name=""/>
+        <p:cNvGrpSpPr/>
+        <p:nvPr/>
+      </p:nvGrpSpPr>
+      <p:grpSpPr>
+        <a:xfrm>
+          <a:off x="0" y="0"/>
+          <a:ext cx="0" cy="0"/>
+          <a:chOff x="0" y="0"/>
+          <a:chExt cx="0" cy="0"/>
+        </a:xfrm>
+      </p:grpSpPr>
+      <p:sp>
+        <p:nvSpPr>
+          <p:cNvPr id="2" name="Título 1"/>
+          <p:cNvSpPr>
+            <a:spLocks noGrp="1"/>
+          </p:cNvSpPr>
+          <p:nvPr>
+            <p:ph type="title"/>
+          </p:nvPr>
+        </p:nvSpPr>
+        <p:spPr/>
+        <p:txBody>
+          <a:bodyPr/>
+          <a:lstStyle/>
+          <a:p>
+            <a:r>
+              <a:rPr lang="es-MX" dirty="0" smtClean="0"/>
+              <a:t>Conclusiones</a:t>
+            </a:r>
+            <a:endParaRPr lang="es-MX" dirty="0"/>
+          </a:p>
+        </p:txBody>
+      </p:sp>
+      <p:sp>
+        <p:nvSpPr>
+          <p:cNvPr id="3" name="Marcador de texto 2"/>
+          <p:cNvSpPr>
+            <a:spLocks noGrp="1"/>
+          </p:cNvSpPr>
+          <p:nvPr>
+            <p:ph type="body" idx="1"/>
+          </p:nvPr>
+        </p:nvSpPr>
+        <p:spPr/>
+        <p:txBody>
+          <a:bodyPr/>
+          <a:lstStyle/>
+          <a:p>
+            <a:endParaRPr lang="es-MX"/>
+          </a:p>
+        </p:txBody>
+      </p:sp>
+    </p:spTree>
+    <p:extLst>
+      <p:ext uri="{BB962C8B-B14F-4D97-AF65-F5344CB8AC3E}">
+        <p14:creationId xmlns:p14="http://schemas.microsoft.com/office/powerpoint/2010/main" val="3486398247"/>
+      </p:ext>
+    </p:extLst>
+  </p:cSld>
+  <p:clrMapOvr>
+    <a:masterClrMapping/>
+  </p:clrMapOvr>
+</p:sld>
+</file>
+
 <file path=ppt/slides/slide3.xml><?xml version="1.0" encoding="utf-8"?>
 <p:sld xmlns:a="http://schemas.openxmlformats.org/drawingml/2006/main" xmlns:r="http://schemas.openxmlformats.org/officeDocument/2006/relationships" xmlns:p="http://schemas.openxmlformats.org/presentationml/2006/main">
   <p:cSld>
@@ -6695,6 +7151,64 @@
     <p:extLst>
       <p:ext uri="{BB962C8B-B14F-4D97-AF65-F5344CB8AC3E}">
         <p14:creationId xmlns:p14="http://schemas.microsoft.com/office/powerpoint/2010/main" val="3556534186"/>
+      </p:ext>
+    </p:extLst>
+  </p:cSld>
+  <p:clrMapOvr>
+    <a:masterClrMapping/>
+  </p:clrMapOvr>
+</p:sld>
+</file>
+
+<file path=ppt/slides/slide30.xml><?xml version="1.0" encoding="utf-8"?>
+<p:sld xmlns:a="http://schemas.openxmlformats.org/drawingml/2006/main" xmlns:r="http://schemas.openxmlformats.org/officeDocument/2006/relationships" xmlns:p="http://schemas.openxmlformats.org/presentationml/2006/main">
+  <p:cSld>
+    <p:spTree>
+      <p:nvGrpSpPr>
+        <p:cNvPr id="1" name=""/>
+        <p:cNvGrpSpPr/>
+        <p:nvPr/>
+      </p:nvGrpSpPr>
+      <p:grpSpPr>
+        <a:xfrm>
+          <a:off x="0" y="0"/>
+          <a:ext cx="0" cy="0"/>
+          <a:chOff x="0" y="0"/>
+          <a:chExt cx="0" cy="0"/>
+        </a:xfrm>
+      </p:grpSpPr>
+      <p:sp>
+        <p:nvSpPr>
+          <p:cNvPr id="5" name="Título 4"/>
+          <p:cNvSpPr>
+            <a:spLocks noGrp="1"/>
+          </p:cNvSpPr>
+          <p:nvPr>
+            <p:ph type="title" idx="4294967295"/>
+          </p:nvPr>
+        </p:nvSpPr>
+        <p:spPr>
+          <a:xfrm>
+            <a:off x="3216000" y="2709000"/>
+            <a:ext cx="5845214" cy="1440000"/>
+          </a:xfrm>
+        </p:spPr>
+        <p:txBody>
+          <a:bodyPr/>
+          <a:lstStyle/>
+          <a:p>
+            <a:r>
+              <a:rPr lang="es-MX" dirty="0" smtClean="0"/>
+              <a:t>Gracias por su atención</a:t>
+            </a:r>
+            <a:endParaRPr lang="es-MX" dirty="0"/>
+          </a:p>
+        </p:txBody>
+      </p:sp>
+    </p:spTree>
+    <p:extLst>
+      <p:ext uri="{BB962C8B-B14F-4D97-AF65-F5344CB8AC3E}">
+        <p14:creationId xmlns:p14="http://schemas.microsoft.com/office/powerpoint/2010/main" val="4092755809"/>
       </p:ext>
     </p:extLst>
   </p:cSld>
